--- a/Team-solution.pptx
+++ b/Team-solution.pptx
@@ -8,11 +8,12 @@
     <p:sldId id="257" r:id="rId2"/>
     <p:sldId id="258" r:id="rId3"/>
     <p:sldId id="259" r:id="rId4"/>
-    <p:sldId id="260" r:id="rId5"/>
-    <p:sldId id="261" r:id="rId6"/>
-    <p:sldId id="262" r:id="rId7"/>
-    <p:sldId id="263" r:id="rId8"/>
-    <p:sldId id="264" r:id="rId9"/>
+    <p:sldId id="269" r:id="rId5"/>
+    <p:sldId id="270" r:id="rId6"/>
+    <p:sldId id="266" r:id="rId7"/>
+    <p:sldId id="267" r:id="rId8"/>
+    <p:sldId id="268" r:id="rId9"/>
+    <p:sldId id="264" r:id="rId10"/>
   </p:sldIdLst>
   <p:sldSz cx="12192000" cy="6858000"/>
   <p:notesSz cx="6858000" cy="9144000"/>
@@ -111,6 +112,11 @@
       </a:defRPr>
     </a:lvl9pPr>
   </p:defaultTextStyle>
+  <p:extLst>
+    <p:ext uri="{EFAFB233-063F-42B5-8137-9DF3F51BA10A}">
+      <p15:sldGuideLst xmlns:p15="http://schemas.microsoft.com/office/powerpoint/2012/main"/>
+    </p:ext>
+  </p:extLst>
 </p:presentation>
 </file>
 
@@ -3371,8 +3377,8 @@
         </p:nvSpPr>
         <p:spPr>
           <a:xfrm>
-            <a:off x="1147072" y="844598"/>
-            <a:ext cx="9897856" cy="1015663"/>
+            <a:off x="1147072" y="875078"/>
+            <a:ext cx="9897856" cy="1938992"/>
           </a:xfrm>
           <a:prstGeom prst="rect">
             <a:avLst/>
@@ -3387,9 +3393,18 @@
           <a:p>
             <a:pPr algn="ctr"/>
             <a:r>
-              <a:rPr lang="en-GB" sz="6000" b="1" dirty="0"/>
-              <a:t>Virtual financial Advisor </a:t>
-            </a:r>
+              <a:rPr lang="en-US" sz="6000" b="1" dirty="0">
+                <a:solidFill>
+                  <a:schemeClr val="bg1"/>
+                </a:solidFill>
+              </a:rPr>
+              <a:t>Digital forensic analysis for the Windows operating system</a:t>
+            </a:r>
+            <a:endParaRPr lang="en-GB" sz="6000" b="1" dirty="0">
+              <a:solidFill>
+                <a:schemeClr val="bg1"/>
+              </a:solidFill>
+            </a:endParaRPr>
           </a:p>
         </p:txBody>
       </p:sp>
@@ -3407,8 +3422,8 @@
         </p:nvSpPr>
         <p:spPr>
           <a:xfrm>
-            <a:off x="3101514" y="2833942"/>
-            <a:ext cx="5988971" cy="1569660"/>
+            <a:off x="193040" y="3230182"/>
+            <a:ext cx="11724640" cy="1569660"/>
           </a:xfrm>
           <a:prstGeom prst="rect">
             <a:avLst/>
@@ -3423,9 +3438,18 @@
           <a:p>
             <a:pPr algn="ctr"/>
             <a:r>
-              <a:rPr lang="en-GB" sz="9600" dirty="0"/>
-              <a:t>FinVisor</a:t>
-            </a:r>
+              <a:rPr lang="en-GB" sz="9600" dirty="0" err="1">
+                <a:solidFill>
+                  <a:schemeClr val="bg1"/>
+                </a:solidFill>
+              </a:rPr>
+              <a:t>TeamDataAnalysis</a:t>
+            </a:r>
+            <a:endParaRPr lang="en-GB" sz="9600" dirty="0">
+              <a:solidFill>
+                <a:schemeClr val="bg1"/>
+              </a:solidFill>
+            </a:endParaRPr>
           </a:p>
         </p:txBody>
       </p:sp>
@@ -3481,7 +3505,7 @@
         </p:nvSpPr>
         <p:spPr>
           <a:xfrm>
-            <a:off x="3652946" y="831658"/>
+            <a:off x="3652946" y="161098"/>
             <a:ext cx="4886107" cy="1384995"/>
           </a:xfrm>
           <a:prstGeom prst="rect">
@@ -3497,14 +3521,22 @@
           <a:p>
             <a:pPr algn="ctr"/>
             <a:r>
-              <a:rPr lang="en-GB" sz="2800" b="1" dirty="0"/>
-              <a:t>The Useless Team</a:t>
+              <a:rPr lang="en-GB" sz="2800" b="1" dirty="0">
+                <a:solidFill>
+                  <a:schemeClr val="bg1"/>
+                </a:solidFill>
+              </a:rPr>
+              <a:t>The Team</a:t>
             </a:r>
           </a:p>
           <a:p>
             <a:pPr algn="ctr"/>
             <a:r>
-              <a:rPr lang="en-GB" sz="2800" b="1" dirty="0"/>
+              <a:rPr lang="en-GB" sz="2800" b="1" dirty="0">
+                <a:solidFill>
+                  <a:schemeClr val="bg1"/>
+                </a:solidFill>
+              </a:rPr>
               <a:t>First time in in-person hackathon</a:t>
             </a:r>
           </a:p>
@@ -3516,6 +3548,193 @@
             <a:extLst>
               <a:ext uri="{FF2B5EF4-FFF2-40B4-BE49-F238E27FC236}">
                 <a16:creationId xmlns:a16="http://schemas.microsoft.com/office/drawing/2014/main" id="{9EA297CC-91DF-95FD-CCD7-EBB1E536A5D9}"/>
+              </a:ext>
+            </a:extLst>
+          </p:cNvPr>
+          <p:cNvPicPr>
+            <a:picLocks noChangeAspect="1"/>
+          </p:cNvPicPr>
+          <p:nvPr/>
+        </p:nvPicPr>
+        <p:blipFill rotWithShape="1">
+          <a:blip r:embed="rId2">
+            <a:extLst>
+              <a:ext uri="{28A0092B-C50C-407E-A947-70E740481C1C}">
+                <a14:useLocalDpi xmlns:a14="http://schemas.microsoft.com/office/drawing/2010/main" val="0"/>
+              </a:ext>
+            </a:extLst>
+          </a:blip>
+          <a:srcRect r="25544"/>
+          <a:stretch/>
+        </p:blipFill>
+        <p:spPr>
+          <a:xfrm>
+            <a:off x="487539" y="1552139"/>
+            <a:ext cx="2474876" cy="3529573"/>
+          </a:xfrm>
+          <a:prstGeom prst="rect">
+            <a:avLst/>
+          </a:prstGeom>
+        </p:spPr>
+      </p:pic>
+      <p:sp>
+        <p:nvSpPr>
+          <p:cNvPr id="7" name="TextBox 6">
+            <a:extLst>
+              <a:ext uri="{FF2B5EF4-FFF2-40B4-BE49-F238E27FC236}">
+                <a16:creationId xmlns:a16="http://schemas.microsoft.com/office/drawing/2014/main" id="{56767561-493E-E570-EEBA-6D6CE35BA143}"/>
+              </a:ext>
+            </a:extLst>
+          </p:cNvPr>
+          <p:cNvSpPr txBox="1"/>
+          <p:nvPr/>
+        </p:nvSpPr>
+        <p:spPr>
+          <a:xfrm>
+            <a:off x="641011" y="5129792"/>
+            <a:ext cx="2170827" cy="1631216"/>
+          </a:xfrm>
+          <a:prstGeom prst="rect">
+            <a:avLst/>
+          </a:prstGeom>
+          <a:noFill/>
+        </p:spPr>
+        <p:txBody>
+          <a:bodyPr wrap="square" rtlCol="0">
+            <a:spAutoFit/>
+          </a:bodyPr>
+          <a:lstStyle/>
+          <a:p>
+            <a:r>
+              <a:rPr lang="en-GB" sz="2000" b="1" dirty="0">
+                <a:solidFill>
+                  <a:schemeClr val="bg1"/>
+                </a:solidFill>
+              </a:rPr>
+              <a:t>Mohammad Bappy Chowdhary</a:t>
+            </a:r>
+          </a:p>
+          <a:p>
+            <a:r>
+              <a:rPr lang="en-GB" sz="2000" b="1" dirty="0">
+                <a:solidFill>
+                  <a:schemeClr val="bg1"/>
+                </a:solidFill>
+              </a:rPr>
+              <a:t>Business Analyst</a:t>
+            </a:r>
+          </a:p>
+          <a:p>
+            <a:r>
+              <a:rPr lang="en-GB" sz="2000" b="1" dirty="0">
+                <a:solidFill>
+                  <a:schemeClr val="bg1"/>
+                </a:solidFill>
+              </a:rPr>
+              <a:t>University of Westminster (UK)</a:t>
+            </a:r>
+          </a:p>
+        </p:txBody>
+      </p:sp>
+      <p:pic>
+        <p:nvPicPr>
+          <p:cNvPr id="9" name="Picture 8" descr="A picture containing person, indoor, wall, person&#10;&#10;Description automatically generated">
+            <a:extLst>
+              <a:ext uri="{FF2B5EF4-FFF2-40B4-BE49-F238E27FC236}">
+                <a16:creationId xmlns:a16="http://schemas.microsoft.com/office/drawing/2014/main" id="{6F06C275-CC67-3768-BD43-D9D23E4EDF33}"/>
+              </a:ext>
+            </a:extLst>
+          </p:cNvPr>
+          <p:cNvPicPr>
+            <a:picLocks noChangeAspect="1"/>
+          </p:cNvPicPr>
+          <p:nvPr/>
+        </p:nvPicPr>
+        <p:blipFill rotWithShape="1">
+          <a:blip r:embed="rId3">
+            <a:extLst>
+              <a:ext uri="{28A0092B-C50C-407E-A947-70E740481C1C}">
+                <a14:useLocalDpi xmlns:a14="http://schemas.microsoft.com/office/drawing/2010/main" val="0"/>
+              </a:ext>
+            </a:extLst>
+          </a:blip>
+          <a:srcRect l="10458" r="8385"/>
+          <a:stretch/>
+        </p:blipFill>
+        <p:spPr>
+          <a:xfrm>
+            <a:off x="3178531" y="1569228"/>
+            <a:ext cx="2850619" cy="3512484"/>
+          </a:xfrm>
+          <a:prstGeom prst="rect">
+            <a:avLst/>
+          </a:prstGeom>
+        </p:spPr>
+      </p:pic>
+      <p:sp>
+        <p:nvSpPr>
+          <p:cNvPr id="10" name="TextBox 9">
+            <a:extLst>
+              <a:ext uri="{FF2B5EF4-FFF2-40B4-BE49-F238E27FC236}">
+                <a16:creationId xmlns:a16="http://schemas.microsoft.com/office/drawing/2014/main" id="{3D4B0055-4472-DB40-36B7-415727B04544}"/>
+              </a:ext>
+            </a:extLst>
+          </p:cNvPr>
+          <p:cNvSpPr txBox="1"/>
+          <p:nvPr/>
+        </p:nvSpPr>
+        <p:spPr>
+          <a:xfrm>
+            <a:off x="3416493" y="5175958"/>
+            <a:ext cx="1962150" cy="1631216"/>
+          </a:xfrm>
+          <a:prstGeom prst="rect">
+            <a:avLst/>
+          </a:prstGeom>
+          <a:noFill/>
+        </p:spPr>
+        <p:txBody>
+          <a:bodyPr wrap="square" rtlCol="0">
+            <a:spAutoFit/>
+          </a:bodyPr>
+          <a:lstStyle/>
+          <a:p>
+            <a:pPr algn="ctr" fontAlgn="base"/>
+            <a:r>
+              <a:rPr lang="en-GB" sz="2000" b="1" dirty="0">
+                <a:solidFill>
+                  <a:schemeClr val="bg1"/>
+                </a:solidFill>
+                <a:effectLst/>
+                <a:latin typeface="inherit"/>
+              </a:rPr>
+              <a:t>Matej Hanus Charles University</a:t>
+            </a:r>
+          </a:p>
+          <a:p>
+            <a:br>
+              <a:rPr lang="en-GB" sz="2000" dirty="0">
+                <a:solidFill>
+                  <a:schemeClr val="bg1"/>
+                </a:solidFill>
+                <a:effectLst/>
+                <a:latin typeface="inherit"/>
+              </a:rPr>
+            </a:br>
+            <a:endParaRPr lang="en-GB" sz="2000" dirty="0">
+              <a:solidFill>
+                <a:schemeClr val="bg1"/>
+              </a:solidFill>
+            </a:endParaRPr>
+          </a:p>
+        </p:txBody>
+      </p:sp>
+      <p:pic>
+        <p:nvPicPr>
+          <p:cNvPr id="12" name="Picture 11" descr="A child smiling for the camera&#10;&#10;Description automatically generated with low confidence">
+            <a:extLst>
+              <a:ext uri="{FF2B5EF4-FFF2-40B4-BE49-F238E27FC236}">
+                <a16:creationId xmlns:a16="http://schemas.microsoft.com/office/drawing/2014/main" id="{878EF008-FB98-DC08-7BE6-FD6CA96B680B}"/>
               </a:ext>
             </a:extLst>
           </p:cNvPr>
@@ -3525,7 +3744,7 @@
           <p:nvPr/>
         </p:nvPicPr>
         <p:blipFill>
-          <a:blip r:embed="rId2">
+          <a:blip r:embed="rId4">
             <a:extLst>
               <a:ext uri="{28A0092B-C50C-407E-A947-70E740481C1C}">
                 <a14:useLocalDpi xmlns:a14="http://schemas.microsoft.com/office/drawing/2010/main" val="0"/>
@@ -3538,8 +3757,8 @@
         </p:blipFill>
         <p:spPr>
           <a:xfrm>
-            <a:off x="802500" y="2161740"/>
-            <a:ext cx="1847850" cy="1962150"/>
+            <a:off x="6217303" y="1531819"/>
+            <a:ext cx="2605522" cy="3549893"/>
           </a:xfrm>
           <a:prstGeom prst="rect">
             <a:avLst/>
@@ -3548,10 +3767,10 @@
       </p:pic>
       <p:sp>
         <p:nvSpPr>
-          <p:cNvPr id="7" name="TextBox 6">
-            <a:extLst>
-              <a:ext uri="{FF2B5EF4-FFF2-40B4-BE49-F238E27FC236}">
-                <a16:creationId xmlns:a16="http://schemas.microsoft.com/office/drawing/2014/main" id="{56767561-493E-E570-EEBA-6D6CE35BA143}"/>
+          <p:cNvPr id="13" name="TextBox 12">
+            <a:extLst>
+              <a:ext uri="{FF2B5EF4-FFF2-40B4-BE49-F238E27FC236}">
+                <a16:creationId xmlns:a16="http://schemas.microsoft.com/office/drawing/2014/main" id="{C209CE8C-A704-2812-48CC-FFBDD1AA7274}"/>
               </a:ext>
             </a:extLst>
           </p:cNvPr>
@@ -3560,8 +3779,8 @@
         </p:nvSpPr>
         <p:spPr>
           <a:xfrm>
-            <a:off x="641011" y="4195072"/>
-            <a:ext cx="2170827" cy="646331"/>
+            <a:off x="6242510" y="5268864"/>
+            <a:ext cx="1962150" cy="1323439"/>
           </a:xfrm>
           <a:prstGeom prst="rect">
             <a:avLst/>
@@ -3574,31 +3793,59 @@
           </a:bodyPr>
           <a:lstStyle/>
           <a:p>
-            <a:r>
-              <a:rPr lang="en-GB" sz="1200" b="1" dirty="0"/>
-              <a:t>Mohammad Bappy Chowdhary</a:t>
-            </a:r>
-          </a:p>
-          <a:p>
-            <a:r>
-              <a:rPr lang="en-GB" sz="1200" b="1" dirty="0"/>
-              <a:t>Business Analyst</a:t>
-            </a:r>
-          </a:p>
-          <a:p>
-            <a:r>
-              <a:rPr lang="en-GB" sz="1200" b="1" dirty="0"/>
-              <a:t>University of Westminster (UK)</a:t>
+            <a:pPr algn="ctr"/>
+            <a:r>
+              <a:rPr lang="en-GB" sz="2000" b="1" dirty="0" err="1">
+                <a:solidFill>
+                  <a:schemeClr val="bg1"/>
+                </a:solidFill>
+              </a:rPr>
+              <a:t>Tomáš</a:t>
+            </a:r>
+            <a:r>
+              <a:rPr lang="en-GB" sz="2000" b="1" dirty="0">
+                <a:solidFill>
+                  <a:schemeClr val="bg1"/>
+                </a:solidFill>
+              </a:rPr>
+              <a:t> </a:t>
+            </a:r>
+            <a:r>
+              <a:rPr lang="en-GB" sz="2000" b="1" dirty="0" err="1">
+                <a:solidFill>
+                  <a:schemeClr val="bg1"/>
+                </a:solidFill>
+              </a:rPr>
+              <a:t>Chovančák</a:t>
+            </a:r>
+            <a:r>
+              <a:rPr lang="en-GB" sz="2000" b="1" dirty="0">
+                <a:solidFill>
+                  <a:schemeClr val="bg1"/>
+                </a:solidFill>
+              </a:rPr>
+              <a:t> </a:t>
+            </a:r>
+          </a:p>
+          <a:p>
+            <a:pPr algn="ctr"/>
+            <a:r>
+              <a:rPr lang="en-GB" sz="2000" b="1" dirty="0">
+                <a:solidFill>
+                  <a:schemeClr val="bg1"/>
+                </a:solidFill>
+              </a:rPr>
+              <a:t>Masaryk University</a:t>
             </a:r>
           </a:p>
         </p:txBody>
       </p:sp>
       <p:pic>
         <p:nvPicPr>
-          <p:cNvPr id="9" name="Picture 8" descr="A picture containing person, indoor, wall, person&#10;&#10;Description automatically generated">
-            <a:extLst>
-              <a:ext uri="{FF2B5EF4-FFF2-40B4-BE49-F238E27FC236}">
-                <a16:creationId xmlns:a16="http://schemas.microsoft.com/office/drawing/2014/main" id="{6F06C275-CC67-3768-BD43-D9D23E4EDF33}"/>
+          <p:cNvPr id="15" name="Picture 14" descr="A person with long hair&#10;&#10;Description automatically generated with medium confidence">
+            <a:extLst>
+              <a:ext uri="{FF2B5EF4-FFF2-40B4-BE49-F238E27FC236}">
+                <a16:creationId xmlns:a16="http://schemas.microsoft.com/office/drawing/2014/main" id="{9058438D-7AB7-DC94-9310-22AAE08F0BEC}"/>
               </a:ext>
             </a:extLst>
           </p:cNvPr>
@@ -3607,22 +3854,21 @@
           </p:cNvPicPr>
           <p:nvPr/>
         </p:nvPicPr>
-        <p:blipFill>
-          <a:blip r:embed="rId3">
+        <p:blipFill rotWithShape="1">
+          <a:blip r:embed="rId5">
             <a:extLst>
               <a:ext uri="{28A0092B-C50C-407E-A947-70E740481C1C}">
                 <a14:useLocalDpi xmlns:a14="http://schemas.microsoft.com/office/drawing/2010/main" val="0"/>
               </a:ext>
             </a:extLst>
           </a:blip>
-          <a:stretch>
-            <a:fillRect/>
-          </a:stretch>
+          <a:srcRect l="14720" r="11234"/>
+          <a:stretch/>
         </p:blipFill>
         <p:spPr>
           <a:xfrm>
-            <a:off x="3465355" y="2161740"/>
-            <a:ext cx="1962150" cy="1962150"/>
+            <a:off x="9000702" y="1531819"/>
+            <a:ext cx="2605522" cy="3568012"/>
           </a:xfrm>
           <a:prstGeom prst="rect">
             <a:avLst/>
@@ -3631,10 +3877,10 @@
       </p:pic>
       <p:sp>
         <p:nvSpPr>
-          <p:cNvPr id="10" name="TextBox 9">
-            <a:extLst>
-              <a:ext uri="{FF2B5EF4-FFF2-40B4-BE49-F238E27FC236}">
-                <a16:creationId xmlns:a16="http://schemas.microsoft.com/office/drawing/2014/main" id="{3D4B0055-4472-DB40-36B7-415727B04544}"/>
+          <p:cNvPr id="16" name="TextBox 15">
+            <a:extLst>
+              <a:ext uri="{FF2B5EF4-FFF2-40B4-BE49-F238E27FC236}">
+                <a16:creationId xmlns:a16="http://schemas.microsoft.com/office/drawing/2014/main" id="{3277794C-05D7-449F-E86D-C39F79EB6FBF}"/>
               </a:ext>
             </a:extLst>
           </p:cNvPr>
@@ -3643,7 +3889,7 @@
         </p:nvSpPr>
         <p:spPr>
           <a:xfrm>
-            <a:off x="3416493" y="4241238"/>
+            <a:off x="9131348" y="5186397"/>
             <a:ext cx="1962150" cy="1015663"/>
           </a:xfrm>
           <a:prstGeom prst="rect">
@@ -3657,196 +3903,37 @@
           </a:bodyPr>
           <a:lstStyle/>
           <a:p>
-            <a:pPr algn="ctr" fontAlgn="base"/>
-            <a:r>
-              <a:rPr lang="en-GB" sz="1200" b="1" dirty="0">
-                <a:effectLst/>
-                <a:latin typeface="inherit"/>
-              </a:rPr>
-              <a:t>Matej Hanus Charles University</a:t>
-            </a:r>
-          </a:p>
-          <a:p>
-            <a:br>
-              <a:rPr lang="en-GB" dirty="0">
-                <a:effectLst/>
-                <a:latin typeface="inherit"/>
-              </a:rPr>
-            </a:br>
-            <a:endParaRPr lang="en-GB" dirty="0"/>
-          </a:p>
-        </p:txBody>
-      </p:sp>
-      <p:pic>
-        <p:nvPicPr>
-          <p:cNvPr id="12" name="Picture 11" descr="A child smiling for the camera&#10;&#10;Description automatically generated with low confidence">
-            <a:extLst>
-              <a:ext uri="{FF2B5EF4-FFF2-40B4-BE49-F238E27FC236}">
-                <a16:creationId xmlns:a16="http://schemas.microsoft.com/office/drawing/2014/main" id="{878EF008-FB98-DC08-7BE6-FD6CA96B680B}"/>
-              </a:ext>
-            </a:extLst>
-          </p:cNvPr>
-          <p:cNvPicPr>
-            <a:picLocks noChangeAspect="1"/>
-          </p:cNvPicPr>
-          <p:nvPr/>
-        </p:nvPicPr>
-        <p:blipFill>
-          <a:blip r:embed="rId4">
-            <a:extLst>
-              <a:ext uri="{28A0092B-C50C-407E-A947-70E740481C1C}">
-                <a14:useLocalDpi xmlns:a14="http://schemas.microsoft.com/office/drawing/2010/main" val="0"/>
-              </a:ext>
-            </a:extLst>
-          </a:blip>
-          <a:stretch>
-            <a:fillRect/>
-          </a:stretch>
-        </p:blipFill>
-        <p:spPr>
-          <a:xfrm>
-            <a:off x="6242510" y="2161740"/>
-            <a:ext cx="1962150" cy="1962150"/>
-          </a:xfrm>
-          <a:prstGeom prst="rect">
-            <a:avLst/>
-          </a:prstGeom>
-        </p:spPr>
-      </p:pic>
-      <p:sp>
-        <p:nvSpPr>
-          <p:cNvPr id="13" name="TextBox 12">
-            <a:extLst>
-              <a:ext uri="{FF2B5EF4-FFF2-40B4-BE49-F238E27FC236}">
-                <a16:creationId xmlns:a16="http://schemas.microsoft.com/office/drawing/2014/main" id="{C209CE8C-A704-2812-48CC-FFBDD1AA7274}"/>
-              </a:ext>
-            </a:extLst>
-          </p:cNvPr>
-          <p:cNvSpPr txBox="1"/>
-          <p:nvPr/>
-        </p:nvSpPr>
-        <p:spPr>
-          <a:xfrm>
-            <a:off x="6242510" y="4320992"/>
-            <a:ext cx="1962150" cy="461665"/>
-          </a:xfrm>
-          <a:prstGeom prst="rect">
-            <a:avLst/>
-          </a:prstGeom>
-          <a:noFill/>
-        </p:spPr>
-        <p:txBody>
-          <a:bodyPr wrap="square" rtlCol="0">
-            <a:spAutoFit/>
-          </a:bodyPr>
-          <a:lstStyle/>
-          <a:p>
             <a:pPr algn="ctr"/>
             <a:r>
-              <a:rPr lang="en-GB" sz="1200" b="1" dirty="0" err="1"/>
-              <a:t>Tomáš</a:t>
-            </a:r>
-            <a:r>
-              <a:rPr lang="en-GB" sz="1200" b="1" dirty="0"/>
+              <a:rPr lang="en-GB" sz="2000" b="1" dirty="0" err="1">
+                <a:solidFill>
+                  <a:schemeClr val="bg1"/>
+                </a:solidFill>
+              </a:rPr>
+              <a:t>Patrik</a:t>
+            </a:r>
+            <a:r>
+              <a:rPr lang="en-GB" sz="2000" b="1" dirty="0">
+                <a:solidFill>
+                  <a:schemeClr val="bg1"/>
+                </a:solidFill>
+              </a:rPr>
               <a:t> </a:t>
             </a:r>
             <a:r>
-              <a:rPr lang="en-GB" sz="1200" b="1" dirty="0" err="1"/>
-              <a:t>Chovančák</a:t>
-            </a:r>
-            <a:r>
-              <a:rPr lang="en-GB" sz="1200" b="1" dirty="0"/>
-              <a:t> </a:t>
-            </a:r>
-          </a:p>
-          <a:p>
-            <a:pPr algn="ctr"/>
-            <a:r>
-              <a:rPr lang="en-GB" sz="1200" b="1" dirty="0"/>
-              <a:t>Masaryk University</a:t>
-            </a:r>
-          </a:p>
-        </p:txBody>
-      </p:sp>
-      <p:pic>
-        <p:nvPicPr>
-          <p:cNvPr id="15" name="Picture 14" descr="A person with long hair&#10;&#10;Description automatically generated with medium confidence">
-            <a:extLst>
-              <a:ext uri="{FF2B5EF4-FFF2-40B4-BE49-F238E27FC236}">
-                <a16:creationId xmlns:a16="http://schemas.microsoft.com/office/drawing/2014/main" id="{9058438D-7AB7-DC94-9310-22AAE08F0BEC}"/>
-              </a:ext>
-            </a:extLst>
-          </p:cNvPr>
-          <p:cNvPicPr>
-            <a:picLocks noChangeAspect="1"/>
-          </p:cNvPicPr>
-          <p:nvPr/>
-        </p:nvPicPr>
-        <p:blipFill>
-          <a:blip r:embed="rId5">
-            <a:extLst>
-              <a:ext uri="{28A0092B-C50C-407E-A947-70E740481C1C}">
-                <a14:useLocalDpi xmlns:a14="http://schemas.microsoft.com/office/drawing/2010/main" val="0"/>
-              </a:ext>
-            </a:extLst>
-          </a:blip>
-          <a:stretch>
-            <a:fillRect/>
-          </a:stretch>
-        </p:blipFill>
-        <p:spPr>
-          <a:xfrm>
-            <a:off x="9068527" y="2161740"/>
-            <a:ext cx="1962150" cy="1989579"/>
-          </a:xfrm>
-          <a:prstGeom prst="rect">
-            <a:avLst/>
-          </a:prstGeom>
-        </p:spPr>
-      </p:pic>
-      <p:sp>
-        <p:nvSpPr>
-          <p:cNvPr id="16" name="TextBox 15">
-            <a:extLst>
-              <a:ext uri="{FF2B5EF4-FFF2-40B4-BE49-F238E27FC236}">
-                <a16:creationId xmlns:a16="http://schemas.microsoft.com/office/drawing/2014/main" id="{3277794C-05D7-449F-E86D-C39F79EB6FBF}"/>
-              </a:ext>
-            </a:extLst>
-          </p:cNvPr>
-          <p:cNvSpPr txBox="1"/>
-          <p:nvPr/>
-        </p:nvSpPr>
-        <p:spPr>
-          <a:xfrm>
-            <a:off x="9131348" y="4251677"/>
-            <a:ext cx="1962150" cy="461665"/>
-          </a:xfrm>
-          <a:prstGeom prst="rect">
-            <a:avLst/>
-          </a:prstGeom>
-          <a:noFill/>
-        </p:spPr>
-        <p:txBody>
-          <a:bodyPr wrap="square" rtlCol="0">
-            <a:spAutoFit/>
-          </a:bodyPr>
-          <a:lstStyle/>
-          <a:p>
-            <a:pPr algn="ctr"/>
-            <a:r>
-              <a:rPr lang="en-GB" sz="1200" b="1" dirty="0" err="1"/>
-              <a:t>Patrik</a:t>
-            </a:r>
-            <a:r>
-              <a:rPr lang="en-GB" sz="1200" b="1" dirty="0"/>
-              <a:t> </a:t>
-            </a:r>
-            <a:r>
-              <a:rPr lang="en-GB" sz="1200" b="1" dirty="0" err="1"/>
+              <a:rPr lang="en-GB" sz="2000" b="1" dirty="0" err="1">
+                <a:solidFill>
+                  <a:schemeClr val="bg1"/>
+                </a:solidFill>
+              </a:rPr>
               <a:t>Paľovčík</a:t>
             </a:r>
             <a:r>
-              <a:rPr lang="en-GB" sz="1200" b="1" dirty="0"/>
+              <a:rPr lang="en-GB" sz="2000" b="1" dirty="0">
+                <a:solidFill>
+                  <a:schemeClr val="bg1"/>
+                </a:solidFill>
+              </a:rPr>
               <a:t> Masaryk University</a:t>
             </a:r>
           </a:p>
@@ -3871,7 +3958,7 @@
     <p:bg>
       <p:bgPr>
         <a:solidFill>
-          <a:srgbClr val="5F2137"/>
+          <a:schemeClr val="bg1"/>
         </a:solidFill>
         <a:effectLst/>
       </p:bgPr>
@@ -3890,482 +3977,447 @@
           <a:chExt cx="0" cy="0"/>
         </a:xfrm>
       </p:grpSpPr>
-      <p:sp>
-        <p:nvSpPr>
-          <p:cNvPr id="2" name="TextBox 1">
-            <a:extLst>
-              <a:ext uri="{FF2B5EF4-FFF2-40B4-BE49-F238E27FC236}">
-                <a16:creationId xmlns:a16="http://schemas.microsoft.com/office/drawing/2014/main" id="{08FB8644-1185-307A-25BB-803496381927}"/>
-              </a:ext>
-            </a:extLst>
-          </p:cNvPr>
-          <p:cNvSpPr txBox="1"/>
-          <p:nvPr/>
+      <p:sp useBgFill="1">
+        <p:nvSpPr>
+          <p:cNvPr id="1031" name="Rectangle 1030">
+            <a:extLst>
+              <a:ext uri="{FF2B5EF4-FFF2-40B4-BE49-F238E27FC236}">
+                <a16:creationId xmlns:a16="http://schemas.microsoft.com/office/drawing/2014/main" id="{0671A8AE-40A1-4631-A6B8-581AFF065482}"/>
+              </a:ext>
+              <a:ext uri="{C183D7F6-B498-43B3-948B-1728B52AA6E4}">
+                <adec:decorative xmlns:adec="http://schemas.microsoft.com/office/drawing/2017/decorative" val="1"/>
+              </a:ext>
+            </a:extLst>
+          </p:cNvPr>
+          <p:cNvSpPr>
+            <a:spLocks noGrp="1" noRot="1" noChangeAspect="1" noMove="1" noResize="1" noEditPoints="1" noAdjustHandles="1" noChangeArrowheads="1" noChangeShapeType="1" noTextEdit="1"/>
+          </p:cNvSpPr>
+          <p:nvPr>
+            <p:extLst>
+              <p:ext uri="{386F3935-93C4-4BCD-93E2-E3B085C9AB24}">
+                <p16:designElem xmlns:p16="http://schemas.microsoft.com/office/powerpoint/2015/main" val="1"/>
+              </p:ext>
+            </p:extLst>
+          </p:nvPr>
         </p:nvSpPr>
         <p:spPr>
           <a:xfrm>
-            <a:off x="1263796" y="111682"/>
-            <a:ext cx="9897856" cy="707886"/>
+            <a:off x="0" y="0"/>
+            <a:ext cx="12192000" cy="6858000"/>
+          </a:xfrm>
+          <a:prstGeom prst="rect">
+            <a:avLst/>
+          </a:prstGeom>
+          <a:ln>
+            <a:noFill/>
+          </a:ln>
+        </p:spPr>
+        <p:style>
+          <a:lnRef idx="2">
+            <a:schemeClr val="accent1">
+              <a:shade val="50000"/>
+            </a:schemeClr>
+          </a:lnRef>
+          <a:fillRef idx="1">
+            <a:schemeClr val="accent1"/>
+          </a:fillRef>
+          <a:effectRef idx="0">
+            <a:schemeClr val="accent1"/>
+          </a:effectRef>
+          <a:fontRef idx="minor">
+            <a:schemeClr val="lt1"/>
+          </a:fontRef>
+        </p:style>
+        <p:txBody>
+          <a:bodyPr rtlCol="0" anchor="ctr"/>
+          <a:lstStyle/>
+          <a:p>
+            <a:pPr algn="ctr"/>
+            <a:endParaRPr lang="en-US"/>
+          </a:p>
+        </p:txBody>
+      </p:sp>
+      <p:pic>
+        <p:nvPicPr>
+          <p:cNvPr id="1026" name="Picture 2" descr="The Stolen Szechuan Sauce">
+            <a:extLst>
+              <a:ext uri="{FF2B5EF4-FFF2-40B4-BE49-F238E27FC236}">
+                <a16:creationId xmlns:a16="http://schemas.microsoft.com/office/drawing/2014/main" id="{647436C4-D782-C74F-D8F0-6383548697A7}"/>
+              </a:ext>
+            </a:extLst>
+          </p:cNvPr>
+          <p:cNvPicPr>
+            <a:picLocks noChangeAspect="1" noChangeArrowheads="1"/>
+          </p:cNvPicPr>
+          <p:nvPr/>
+        </p:nvPicPr>
+        <p:blipFill rotWithShape="1">
+          <a:blip r:embed="rId2">
+            <a:extLst>
+              <a:ext uri="{28A0092B-C50C-407E-A947-70E740481C1C}">
+                <a14:useLocalDpi xmlns:a14="http://schemas.microsoft.com/office/drawing/2010/main" val="0"/>
+              </a:ext>
+            </a:extLst>
+          </a:blip>
+          <a:srcRect t="20748" r="9089" b="-2"/>
+          <a:stretch/>
+        </p:blipFill>
+        <p:spPr bwMode="auto">
+          <a:xfrm>
+            <a:off x="3523488" y="10"/>
+            <a:ext cx="8668512" cy="6857990"/>
           </a:xfrm>
           <a:prstGeom prst="rect">
             <a:avLst/>
           </a:prstGeom>
           <a:noFill/>
+          <a:extLst>
+            <a:ext uri="{909E8E84-426E-40DD-AFC4-6F175D3DCCD1}">
+              <a14:hiddenFill xmlns:a14="http://schemas.microsoft.com/office/drawing/2010/main">
+                <a:solidFill>
+                  <a:srgbClr val="FFFFFF"/>
+                </a:solidFill>
+              </a14:hiddenFill>
+            </a:ext>
+          </a:extLst>
         </p:spPr>
-        <p:txBody>
-          <a:bodyPr wrap="square" rtlCol="0">
-            <a:spAutoFit/>
-          </a:bodyPr>
-          <a:lstStyle/>
-          <a:p>
-            <a:pPr algn="ctr"/>
-            <a:r>
-              <a:rPr lang="en-GB" sz="4000" b="1" dirty="0"/>
-              <a:t>High level Business Requirements</a:t>
-            </a:r>
-          </a:p>
-        </p:txBody>
-      </p:sp>
-      <p:graphicFrame>
-        <p:nvGraphicFramePr>
-          <p:cNvPr id="4" name="Table 4">
-            <a:extLst>
-              <a:ext uri="{FF2B5EF4-FFF2-40B4-BE49-F238E27FC236}">
-                <a16:creationId xmlns:a16="http://schemas.microsoft.com/office/drawing/2014/main" id="{9AA1A23A-E6CF-26BA-A65B-802A74C7D245}"/>
-              </a:ext>
-            </a:extLst>
-          </p:cNvPr>
-          <p:cNvGraphicFramePr>
-            <a:graphicFrameLocks noGrp="1"/>
-          </p:cNvGraphicFramePr>
+      </p:pic>
+      <p:sp>
+        <p:nvSpPr>
+          <p:cNvPr id="1033" name="Rectangle 1032">
+            <a:extLst>
+              <a:ext uri="{FF2B5EF4-FFF2-40B4-BE49-F238E27FC236}">
+                <a16:creationId xmlns:a16="http://schemas.microsoft.com/office/drawing/2014/main" id="{AB58EF07-17C2-48CF-ABB0-EEF1F17CB8F0}"/>
+              </a:ext>
+              <a:ext uri="{C183D7F6-B498-43B3-948B-1728B52AA6E4}">
+                <adec:decorative xmlns:adec="http://schemas.microsoft.com/office/drawing/2017/decorative" val="1"/>
+              </a:ext>
+            </a:extLst>
+          </p:cNvPr>
+          <p:cNvSpPr>
+            <a:spLocks noGrp="1" noRot="1" noChangeAspect="1" noMove="1" noResize="1" noEditPoints="1" noAdjustHandles="1" noChangeArrowheads="1" noChangeShapeType="1" noTextEdit="1"/>
+          </p:cNvSpPr>
           <p:nvPr>
             <p:extLst>
-              <p:ext uri="{D42A27DB-BD31-4B8C-83A1-F6EECF244321}">
-                <p14:modId xmlns:p14="http://schemas.microsoft.com/office/powerpoint/2010/main" val="1158999837"/>
+              <p:ext uri="{386F3935-93C4-4BCD-93E2-E3B085C9AB24}">
+                <p16:designElem xmlns:p16="http://schemas.microsoft.com/office/powerpoint/2015/main" val="1"/>
               </p:ext>
             </p:extLst>
           </p:nvPr>
-        </p:nvGraphicFramePr>
-        <p:xfrm>
-          <a:off x="796514" y="1024191"/>
-          <a:ext cx="10999944" cy="3991422"/>
-        </p:xfrm>
-        <a:graphic>
-          <a:graphicData uri="http://schemas.openxmlformats.org/drawingml/2006/table">
-            <a:tbl>
-              <a:tblPr firstRow="1" bandRow="1">
-                <a:tableStyleId>{5C22544A-7EE6-4342-B048-85BDC9FD1C3A}</a:tableStyleId>
-              </a:tblPr>
-              <a:tblGrid>
-                <a:gridCol w="1620754">
-                  <a:extLst>
-                    <a:ext uri="{9D8B030D-6E8A-4147-A177-3AD203B41FA5}">
-                      <a16:colId xmlns:a16="http://schemas.microsoft.com/office/drawing/2014/main" val="122008973"/>
-                    </a:ext>
-                  </a:extLst>
-                </a:gridCol>
-                <a:gridCol w="7850537">
-                  <a:extLst>
-                    <a:ext uri="{9D8B030D-6E8A-4147-A177-3AD203B41FA5}">
-                      <a16:colId xmlns:a16="http://schemas.microsoft.com/office/drawing/2014/main" val="973514694"/>
-                    </a:ext>
-                  </a:extLst>
-                </a:gridCol>
-                <a:gridCol w="1528653">
-                  <a:extLst>
-                    <a:ext uri="{9D8B030D-6E8A-4147-A177-3AD203B41FA5}">
-                      <a16:colId xmlns:a16="http://schemas.microsoft.com/office/drawing/2014/main" val="1232787269"/>
-                    </a:ext>
-                  </a:extLst>
-                </a:gridCol>
-              </a:tblGrid>
-              <a:tr h="370840">
-                <a:tc>
-                  <a:txBody>
-                    <a:bodyPr/>
-                    <a:lstStyle/>
-                    <a:p>
-                      <a:r>
-                        <a:rPr lang="en-GB" dirty="0"/>
-                        <a:t>ID</a:t>
-                      </a:r>
-                    </a:p>
-                  </a:txBody>
-                  <a:tcPr/>
-                </a:tc>
-                <a:tc>
-                  <a:txBody>
-                    <a:bodyPr/>
-                    <a:lstStyle/>
-                    <a:p>
-                      <a:r>
-                        <a:rPr lang="en-GB" dirty="0"/>
-                        <a:t>Details</a:t>
-                      </a:r>
-                    </a:p>
-                  </a:txBody>
-                  <a:tcPr/>
-                </a:tc>
-                <a:tc>
-                  <a:txBody>
-                    <a:bodyPr/>
-                    <a:lstStyle/>
-                    <a:p>
-                      <a:r>
-                        <a:rPr lang="en-GB" dirty="0"/>
-                        <a:t>MOSCOW</a:t>
-                      </a:r>
-                    </a:p>
-                  </a:txBody>
-                  <a:tcPr/>
-                </a:tc>
-                <a:extLst>
-                  <a:ext uri="{0D108BD9-81ED-4DB2-BD59-A6C34878D82A}">
-                    <a16:rowId xmlns:a16="http://schemas.microsoft.com/office/drawing/2014/main" val="850640595"/>
-                  </a:ext>
-                </a:extLst>
-              </a:tr>
-              <a:tr h="370840">
-                <a:tc>
-                  <a:txBody>
-                    <a:bodyPr/>
-                    <a:lstStyle/>
-                    <a:p>
-                      <a:r>
-                        <a:rPr lang="en-GB" dirty="0"/>
-                        <a:t>HLBR_01</a:t>
-                      </a:r>
-                    </a:p>
-                  </a:txBody>
-                  <a:tcPr/>
-                </a:tc>
-                <a:tc>
-                  <a:txBody>
-                    <a:bodyPr/>
-                    <a:lstStyle/>
-                    <a:p>
-                      <a:pPr lvl="0">
-                        <a:lnSpc>
-                          <a:spcPct val="107000"/>
-                        </a:lnSpc>
-                        <a:buClr>
-                          <a:srgbClr val="233136"/>
-                        </a:buClr>
-                      </a:pPr>
-                      <a:r>
-                        <a:rPr lang="en-GB" sz="1800" dirty="0">
-                          <a:effectLst/>
-                          <a:ea typeface="Calibri" panose="020F0502020204030204" pitchFamily="34" charset="0"/>
-                          <a:cs typeface="Times New Roman" panose="02020603050405020304" pitchFamily="18" charset="0"/>
-                        </a:rPr>
-                        <a:t>Provide personalized financial advice based on individual financial goals, risk tolerance, income, expenses, and other relevant data.</a:t>
-                      </a:r>
-                    </a:p>
-                  </a:txBody>
-                  <a:tcPr/>
-                </a:tc>
-                <a:tc>
-                  <a:txBody>
-                    <a:bodyPr/>
-                    <a:lstStyle/>
-                    <a:p>
-                      <a:r>
-                        <a:rPr lang="en-GB" dirty="0"/>
-                        <a:t>Must have</a:t>
-                      </a:r>
-                    </a:p>
-                  </a:txBody>
-                  <a:tcPr/>
-                </a:tc>
-                <a:extLst>
-                  <a:ext uri="{0D108BD9-81ED-4DB2-BD59-A6C34878D82A}">
-                    <a16:rowId xmlns:a16="http://schemas.microsoft.com/office/drawing/2014/main" val="2645988580"/>
-                  </a:ext>
-                </a:extLst>
-              </a:tr>
-              <a:tr h="370840">
-                <a:tc>
-                  <a:txBody>
-                    <a:bodyPr/>
-                    <a:lstStyle/>
-                    <a:p>
-                      <a:r>
-                        <a:rPr lang="en-GB" dirty="0">
-                          <a:ea typeface="Calibri" panose="020F0502020204030204" pitchFamily="34" charset="0"/>
-                          <a:cs typeface="Times New Roman" panose="02020603050405020304" pitchFamily="18" charset="0"/>
-                        </a:rPr>
-                        <a:t>HLBR_02</a:t>
-                      </a:r>
-                      <a:r>
-                        <a:rPr lang="en-GB" sz="1800" dirty="0">
-                          <a:effectLst/>
-                          <a:ea typeface="Calibri" panose="020F0502020204030204" pitchFamily="34" charset="0"/>
-                          <a:cs typeface="Times New Roman" panose="02020603050405020304" pitchFamily="18" charset="0"/>
-                        </a:rPr>
-                        <a:t> </a:t>
-                      </a:r>
-                      <a:endParaRPr lang="en-GB" dirty="0"/>
-                    </a:p>
-                  </a:txBody>
-                  <a:tcPr/>
-                </a:tc>
-                <a:tc>
-                  <a:txBody>
-                    <a:bodyPr/>
-                    <a:lstStyle/>
-                    <a:p>
-                      <a:pPr lvl="0">
-                        <a:lnSpc>
-                          <a:spcPct val="107000"/>
-                        </a:lnSpc>
-                        <a:buClr>
-                          <a:srgbClr val="233136"/>
-                        </a:buClr>
-                      </a:pPr>
-                      <a:r>
-                        <a:rPr lang="en-GB" sz="1800" dirty="0">
-                          <a:effectLst/>
-                          <a:ea typeface="Calibri" panose="020F0502020204030204" pitchFamily="34" charset="0"/>
-                          <a:cs typeface="Times New Roman" panose="02020603050405020304" pitchFamily="18" charset="0"/>
-                        </a:rPr>
-                        <a:t>Analyse spending patterns and suggest ways to save money based on the user's spending habits and financial goals.</a:t>
-                      </a:r>
-                    </a:p>
-                  </a:txBody>
-                  <a:tcPr/>
-                </a:tc>
-                <a:tc>
-                  <a:txBody>
-                    <a:bodyPr/>
-                    <a:lstStyle/>
-                    <a:p>
-                      <a:r>
-                        <a:rPr lang="en-GB" dirty="0"/>
-                        <a:t>Must have</a:t>
-                      </a:r>
-                    </a:p>
-                  </a:txBody>
-                  <a:tcPr/>
-                </a:tc>
-                <a:extLst>
-                  <a:ext uri="{0D108BD9-81ED-4DB2-BD59-A6C34878D82A}">
-                    <a16:rowId xmlns:a16="http://schemas.microsoft.com/office/drawing/2014/main" val="3604793228"/>
-                  </a:ext>
-                </a:extLst>
-              </a:tr>
-              <a:tr h="370840">
-                <a:tc>
-                  <a:txBody>
-                    <a:bodyPr/>
-                    <a:lstStyle/>
-                    <a:p>
-                      <a:r>
-                        <a:rPr lang="en-GB" dirty="0">
-                          <a:ea typeface="Calibri" panose="020F0502020204030204" pitchFamily="34" charset="0"/>
-                          <a:cs typeface="Times New Roman" panose="02020603050405020304" pitchFamily="18" charset="0"/>
-                        </a:rPr>
-                        <a:t>HLBR_03</a:t>
-                      </a:r>
-                      <a:r>
-                        <a:rPr lang="en-GB" sz="1800" dirty="0">
-                          <a:effectLst/>
-                          <a:ea typeface="Calibri" panose="020F0502020204030204" pitchFamily="34" charset="0"/>
-                          <a:cs typeface="Times New Roman" panose="02020603050405020304" pitchFamily="18" charset="0"/>
-                        </a:rPr>
-                        <a:t> </a:t>
-                      </a:r>
-                      <a:endParaRPr lang="en-GB" dirty="0"/>
-                    </a:p>
-                  </a:txBody>
-                  <a:tcPr/>
-                </a:tc>
-                <a:tc>
-                  <a:txBody>
-                    <a:bodyPr/>
-                    <a:lstStyle/>
-                    <a:p>
-                      <a:pPr lvl="0">
-                        <a:lnSpc>
-                          <a:spcPct val="107000"/>
-                        </a:lnSpc>
-                        <a:buClr>
-                          <a:srgbClr val="233136"/>
-                        </a:buClr>
-                      </a:pPr>
-                      <a:r>
-                        <a:rPr lang="en-GB" sz="1800" dirty="0">
-                          <a:effectLst/>
-                          <a:ea typeface="Calibri" panose="020F0502020204030204" pitchFamily="34" charset="0"/>
-                          <a:cs typeface="Times New Roman" panose="02020603050405020304" pitchFamily="18" charset="0"/>
-                        </a:rPr>
-                        <a:t>Recommend investment options based on the user's risk profile, investment objectives, and other relevant data, such as income and age.</a:t>
-                      </a:r>
-                    </a:p>
-                  </a:txBody>
-                  <a:tcPr/>
-                </a:tc>
-                <a:tc>
-                  <a:txBody>
-                    <a:bodyPr/>
-                    <a:lstStyle/>
-                    <a:p>
-                      <a:r>
-                        <a:rPr lang="en-GB" dirty="0"/>
-                        <a:t>Should have</a:t>
-                      </a:r>
-                    </a:p>
-                  </a:txBody>
-                  <a:tcPr/>
-                </a:tc>
-                <a:extLst>
-                  <a:ext uri="{0D108BD9-81ED-4DB2-BD59-A6C34878D82A}">
-                    <a16:rowId xmlns:a16="http://schemas.microsoft.com/office/drawing/2014/main" val="2511579682"/>
-                  </a:ext>
-                </a:extLst>
-              </a:tr>
-              <a:tr h="370840">
-                <a:tc>
-                  <a:txBody>
-                    <a:bodyPr/>
-                    <a:lstStyle/>
-                    <a:p>
-                      <a:r>
-                        <a:rPr lang="en-GB" dirty="0"/>
-                        <a:t>HLBR_04</a:t>
-                      </a:r>
-                    </a:p>
-                  </a:txBody>
-                  <a:tcPr/>
-                </a:tc>
-                <a:tc>
-                  <a:txBody>
-                    <a:bodyPr/>
-                    <a:lstStyle/>
-                    <a:p>
-                      <a:pPr lvl="0">
-                        <a:lnSpc>
-                          <a:spcPct val="107000"/>
-                        </a:lnSpc>
-                        <a:buClr>
-                          <a:srgbClr val="233136"/>
-                        </a:buClr>
-                      </a:pPr>
-                      <a:r>
-                        <a:rPr lang="en-GB" sz="1800" dirty="0">
-                          <a:effectLst/>
-                          <a:ea typeface="Calibri" panose="020F0502020204030204" pitchFamily="34" charset="0"/>
-                          <a:cs typeface="Times New Roman" panose="02020603050405020304" pitchFamily="18" charset="0"/>
-                        </a:rPr>
-                        <a:t>Monitor investment performance and provide regular updates and recommendations based on the user's investment history and goals.</a:t>
-                      </a:r>
-                    </a:p>
-                  </a:txBody>
-                  <a:tcPr/>
-                </a:tc>
-                <a:tc>
-                  <a:txBody>
-                    <a:bodyPr/>
-                    <a:lstStyle/>
-                    <a:p>
-                      <a:r>
-                        <a:rPr lang="en-GB" dirty="0"/>
-                        <a:t>Could have</a:t>
-                      </a:r>
-                    </a:p>
-                  </a:txBody>
-                  <a:tcPr/>
-                </a:tc>
-                <a:extLst>
-                  <a:ext uri="{0D108BD9-81ED-4DB2-BD59-A6C34878D82A}">
-                    <a16:rowId xmlns:a16="http://schemas.microsoft.com/office/drawing/2014/main" val="258961219"/>
-                  </a:ext>
-                </a:extLst>
-              </a:tr>
-              <a:tr h="370840">
-                <a:tc>
-                  <a:txBody>
-                    <a:bodyPr/>
-                    <a:lstStyle/>
-                    <a:p>
-                      <a:r>
-                        <a:rPr lang="en-GB" dirty="0">
-                          <a:ea typeface="Calibri" panose="020F0502020204030204" pitchFamily="34" charset="0"/>
-                          <a:cs typeface="Times New Roman" panose="02020603050405020304" pitchFamily="18" charset="0"/>
-                        </a:rPr>
-                        <a:t>HLBR_05</a:t>
-                      </a:r>
-                      <a:r>
-                        <a:rPr lang="en-GB" sz="1800" dirty="0">
-                          <a:effectLst/>
-                          <a:ea typeface="Calibri" panose="020F0502020204030204" pitchFamily="34" charset="0"/>
-                          <a:cs typeface="Times New Roman" panose="02020603050405020304" pitchFamily="18" charset="0"/>
-                        </a:rPr>
-                        <a:t> </a:t>
-                      </a:r>
-                      <a:endParaRPr lang="en-GB" dirty="0"/>
-                    </a:p>
-                  </a:txBody>
-                  <a:tcPr/>
-                </a:tc>
-                <a:tc>
-                  <a:txBody>
-                    <a:bodyPr/>
-                    <a:lstStyle/>
-                    <a:p>
-                      <a:pPr marL="0" marR="0" lvl="0" indent="0" algn="l" defTabSz="914400" rtl="0" eaLnBrk="1" fontAlgn="auto" latinLnBrk="0" hangingPunct="1">
-                        <a:lnSpc>
-                          <a:spcPct val="107000"/>
-                        </a:lnSpc>
-                        <a:spcBef>
-                          <a:spcPts val="0"/>
-                        </a:spcBef>
-                        <a:spcAft>
-                          <a:spcPts val="0"/>
-                        </a:spcAft>
-                        <a:buClr>
-                          <a:srgbClr val="233136"/>
-                        </a:buClr>
-                        <a:buSzTx/>
-                        <a:buFontTx/>
-                        <a:buNone/>
-                        <a:tabLst/>
-                        <a:defRPr/>
-                      </a:pPr>
-                      <a:r>
-                        <a:rPr lang="en-GB" sz="1800" dirty="0">
-                          <a:effectLst/>
-                          <a:ea typeface="Calibri" panose="020F0502020204030204" pitchFamily="34" charset="0"/>
-                          <a:cs typeface="Times New Roman" panose="02020603050405020304" pitchFamily="18" charset="0"/>
-                        </a:rPr>
-                        <a:t>Provide educational resources on financial management, including budgeting, debt management, and retirement planning, that are tailored to the user's individual needs and preferences.</a:t>
-                      </a:r>
-                    </a:p>
-                  </a:txBody>
-                  <a:tcPr/>
-                </a:tc>
-                <a:tc>
-                  <a:txBody>
-                    <a:bodyPr/>
-                    <a:lstStyle/>
-                    <a:p>
-                      <a:r>
-                        <a:rPr lang="en-GB" dirty="0"/>
-                        <a:t>Could have</a:t>
-                      </a:r>
-                    </a:p>
-                  </a:txBody>
-                  <a:tcPr/>
-                </a:tc>
-                <a:extLst>
-                  <a:ext uri="{0D108BD9-81ED-4DB2-BD59-A6C34878D82A}">
-                    <a16:rowId xmlns:a16="http://schemas.microsoft.com/office/drawing/2014/main" val="2372770226"/>
-                  </a:ext>
-                </a:extLst>
-              </a:tr>
-            </a:tbl>
-          </a:graphicData>
-        </a:graphic>
-      </p:graphicFrame>
+        </p:nvSpPr>
+        <p:spPr>
+          <a:xfrm>
+            <a:off x="3" y="0"/>
+            <a:ext cx="9339206" cy="6858000"/>
+          </a:xfrm>
+          <a:prstGeom prst="rect">
+            <a:avLst/>
+          </a:prstGeom>
+          <a:gradFill>
+            <a:gsLst>
+              <a:gs pos="58000">
+                <a:schemeClr val="bg1"/>
+              </a:gs>
+              <a:gs pos="33000">
+                <a:schemeClr val="bg1">
+                  <a:alpha val="64000"/>
+                </a:schemeClr>
+              </a:gs>
+              <a:gs pos="0">
+                <a:schemeClr val="bg1">
+                  <a:alpha val="0"/>
+                </a:schemeClr>
+              </a:gs>
+              <a:gs pos="100000">
+                <a:schemeClr val="bg1"/>
+              </a:gs>
+            </a:gsLst>
+            <a:lin ang="10800000" scaled="0"/>
+          </a:gradFill>
+          <a:ln>
+            <a:noFill/>
+          </a:ln>
+        </p:spPr>
+        <p:style>
+          <a:lnRef idx="2">
+            <a:schemeClr val="accent1">
+              <a:shade val="50000"/>
+            </a:schemeClr>
+          </a:lnRef>
+          <a:fillRef idx="1">
+            <a:schemeClr val="accent1"/>
+          </a:fillRef>
+          <a:effectRef idx="0">
+            <a:schemeClr val="accent1"/>
+          </a:effectRef>
+          <a:fontRef idx="minor">
+            <a:schemeClr val="lt1"/>
+          </a:fontRef>
+        </p:style>
+        <p:txBody>
+          <a:bodyPr rtlCol="0" anchor="ctr"/>
+          <a:lstStyle/>
+          <a:p>
+            <a:pPr algn="ctr"/>
+            <a:endParaRPr lang="en-US" dirty="0"/>
+          </a:p>
+        </p:txBody>
+      </p:sp>
+      <p:sp>
+        <p:nvSpPr>
+          <p:cNvPr id="2" name="TextBox 1">
+            <a:extLst>
+              <a:ext uri="{FF2B5EF4-FFF2-40B4-BE49-F238E27FC236}">
+                <a16:creationId xmlns:a16="http://schemas.microsoft.com/office/drawing/2014/main" id="{08FB8644-1185-307A-25BB-803496381927}"/>
+              </a:ext>
+            </a:extLst>
+          </p:cNvPr>
+          <p:cNvSpPr txBox="1"/>
+          <p:nvPr/>
+        </p:nvSpPr>
+        <p:spPr>
+          <a:xfrm>
+            <a:off x="477981" y="1122363"/>
+            <a:ext cx="4023360" cy="3204134"/>
+          </a:xfrm>
+          <a:prstGeom prst="rect">
+            <a:avLst/>
+          </a:prstGeom>
+        </p:spPr>
+        <p:txBody>
+          <a:bodyPr vert="horz" lIns="91440" tIns="45720" rIns="91440" bIns="45720" rtlCol="0" anchor="b">
+            <a:normAutofit/>
+          </a:bodyPr>
+          <a:lstStyle/>
+          <a:p>
+            <a:pPr>
+              <a:lnSpc>
+                <a:spcPct val="90000"/>
+              </a:lnSpc>
+              <a:spcBef>
+                <a:spcPct val="0"/>
+              </a:spcBef>
+              <a:spcAft>
+                <a:spcPts val="600"/>
+              </a:spcAft>
+            </a:pPr>
+            <a:r>
+              <a:rPr lang="sk-SK" sz="4800" b="1" dirty="0">
+                <a:latin typeface="+mj-lt"/>
+                <a:ea typeface="+mj-ea"/>
+                <a:cs typeface="+mj-cs"/>
+              </a:rPr>
+              <a:t>G</a:t>
+            </a:r>
+            <a:r>
+              <a:rPr lang="en-US" sz="4800" b="1" dirty="0">
+                <a:latin typeface="+mj-lt"/>
+                <a:ea typeface="+mj-ea"/>
+                <a:cs typeface="+mj-cs"/>
+              </a:rPr>
+              <a:t>et an overview</a:t>
+            </a:r>
+            <a:r>
+              <a:rPr lang="sk-SK" sz="4800" b="1" dirty="0">
+                <a:latin typeface="+mj-lt"/>
+                <a:ea typeface="+mj-ea"/>
+                <a:cs typeface="+mj-cs"/>
+              </a:rPr>
+              <a:t> </a:t>
+            </a:r>
+            <a:r>
+              <a:rPr lang="sk-SK" sz="4800" b="1" dirty="0" err="1">
+                <a:latin typeface="+mj-lt"/>
+                <a:ea typeface="+mj-ea"/>
+                <a:cs typeface="+mj-cs"/>
+              </a:rPr>
+              <a:t>into</a:t>
+            </a:r>
+            <a:r>
+              <a:rPr lang="sk-SK" sz="4800" b="1" dirty="0">
+                <a:latin typeface="+mj-lt"/>
+                <a:ea typeface="+mj-ea"/>
+                <a:cs typeface="+mj-cs"/>
+              </a:rPr>
+              <a:t> </a:t>
+            </a:r>
+            <a:r>
+              <a:rPr lang="sk-SK" sz="4800" b="1" dirty="0" err="1">
+                <a:latin typeface="+mj-lt"/>
+                <a:ea typeface="+mj-ea"/>
+                <a:cs typeface="+mj-cs"/>
+              </a:rPr>
+              <a:t>challenge</a:t>
+            </a:r>
+            <a:endParaRPr lang="en-US" sz="4800" b="1" dirty="0">
+              <a:latin typeface="+mj-lt"/>
+              <a:ea typeface="+mj-ea"/>
+              <a:cs typeface="+mj-cs"/>
+            </a:endParaRPr>
+          </a:p>
+        </p:txBody>
+      </p:sp>
+      <p:sp>
+        <p:nvSpPr>
+          <p:cNvPr id="1035" name="Rectangle 1034">
+            <a:extLst>
+              <a:ext uri="{FF2B5EF4-FFF2-40B4-BE49-F238E27FC236}">
+                <a16:creationId xmlns:a16="http://schemas.microsoft.com/office/drawing/2014/main" id="{AF2F604E-43BE-4DC3-B983-E071523364F8}"/>
+              </a:ext>
+              <a:ext uri="{C183D7F6-B498-43B3-948B-1728B52AA6E4}">
+                <adec:decorative xmlns:adec="http://schemas.microsoft.com/office/drawing/2017/decorative" val="1"/>
+              </a:ext>
+            </a:extLst>
+          </p:cNvPr>
+          <p:cNvSpPr>
+            <a:spLocks noGrp="1" noRot="1" noChangeAspect="1" noMove="1" noResize="1" noEditPoints="1" noAdjustHandles="1" noChangeArrowheads="1" noChangeShapeType="1" noTextEdit="1"/>
+          </p:cNvSpPr>
+          <p:nvPr>
+            <p:extLst>
+              <p:ext uri="{386F3935-93C4-4BCD-93E2-E3B085C9AB24}">
+                <p16:designElem xmlns:p16="http://schemas.microsoft.com/office/powerpoint/2015/main" val="1"/>
+              </p:ext>
+            </p:extLst>
+          </p:nvPr>
+        </p:nvSpPr>
+        <p:spPr>
+          <a:xfrm rot="5400000">
+            <a:off x="759921" y="346791"/>
+            <a:ext cx="146304" cy="704088"/>
+          </a:xfrm>
+          <a:prstGeom prst="rect">
+            <a:avLst/>
+          </a:prstGeom>
+          <a:solidFill>
+            <a:schemeClr val="accent2"/>
+          </a:solidFill>
+          <a:ln>
+            <a:noFill/>
+          </a:ln>
+        </p:spPr>
+        <p:style>
+          <a:lnRef idx="2">
+            <a:schemeClr val="accent1">
+              <a:shade val="50000"/>
+            </a:schemeClr>
+          </a:lnRef>
+          <a:fillRef idx="1">
+            <a:schemeClr val="accent1"/>
+          </a:fillRef>
+          <a:effectRef idx="0">
+            <a:schemeClr val="accent1"/>
+          </a:effectRef>
+          <a:fontRef idx="minor">
+            <a:schemeClr val="lt1"/>
+          </a:fontRef>
+        </p:style>
+        <p:txBody>
+          <a:bodyPr rtlCol="0" anchor="ctr"/>
+          <a:lstStyle/>
+          <a:p>
+            <a:pPr algn="ctr"/>
+            <a:endParaRPr lang="en-US">
+              <a:solidFill>
+                <a:prstClr val="white"/>
+              </a:solidFill>
+              <a:latin typeface="Calibri" panose="020F0502020204030204"/>
+            </a:endParaRPr>
+          </a:p>
+        </p:txBody>
+      </p:sp>
+      <p:sp>
+        <p:nvSpPr>
+          <p:cNvPr id="1037" name="Rectangle 1036">
+            <a:extLst>
+              <a:ext uri="{FF2B5EF4-FFF2-40B4-BE49-F238E27FC236}">
+                <a16:creationId xmlns:a16="http://schemas.microsoft.com/office/drawing/2014/main" id="{08C9B587-E65E-4B52-B37C-ABEBB6E87928}"/>
+              </a:ext>
+              <a:ext uri="{C183D7F6-B498-43B3-948B-1728B52AA6E4}">
+                <adec:decorative xmlns:adec="http://schemas.microsoft.com/office/drawing/2017/decorative" val="1"/>
+              </a:ext>
+            </a:extLst>
+          </p:cNvPr>
+          <p:cNvSpPr>
+            <a:spLocks noGrp="1" noRot="1" noChangeAspect="1" noMove="1" noResize="1" noEditPoints="1" noAdjustHandles="1" noChangeArrowheads="1" noChangeShapeType="1" noTextEdit="1"/>
+          </p:cNvSpPr>
+          <p:nvPr>
+            <p:extLst>
+              <p:ext uri="{386F3935-93C4-4BCD-93E2-E3B085C9AB24}">
+                <p16:designElem xmlns:p16="http://schemas.microsoft.com/office/powerpoint/2015/main" val="1"/>
+              </p:ext>
+            </p:extLst>
+          </p:nvPr>
+        </p:nvSpPr>
+        <p:spPr>
+          <a:xfrm>
+            <a:off x="481029" y="4546920"/>
+            <a:ext cx="3977640" cy="18288"/>
+          </a:xfrm>
+          <a:prstGeom prst="rect">
+            <a:avLst/>
+          </a:prstGeom>
+          <a:solidFill>
+            <a:schemeClr val="tx1"/>
+          </a:solidFill>
+          <a:ln w="3175">
+            <a:noFill/>
+          </a:ln>
+          <a:effectLst/>
+        </p:spPr>
+        <p:style>
+          <a:lnRef idx="2">
+            <a:schemeClr val="accent1">
+              <a:shade val="50000"/>
+            </a:schemeClr>
+          </a:lnRef>
+          <a:fillRef idx="1">
+            <a:schemeClr val="accent1"/>
+          </a:fillRef>
+          <a:effectRef idx="0">
+            <a:schemeClr val="accent1"/>
+          </a:effectRef>
+          <a:fontRef idx="minor">
+            <a:schemeClr val="lt1"/>
+          </a:fontRef>
+        </p:style>
+        <p:txBody>
+          <a:bodyPr rtlCol="0" anchor="ctr"/>
+          <a:lstStyle/>
+          <a:p>
+            <a:pPr marL="0" marR="0" lvl="0" indent="0" algn="ctr" defTabSz="914400" rtl="0" eaLnBrk="1" fontAlgn="auto" latinLnBrk="0" hangingPunct="1">
+              <a:lnSpc>
+                <a:spcPct val="100000"/>
+              </a:lnSpc>
+              <a:spcBef>
+                <a:spcPts val="0"/>
+              </a:spcBef>
+              <a:spcAft>
+                <a:spcPts val="0"/>
+              </a:spcAft>
+              <a:buClrTx/>
+              <a:buSzTx/>
+              <a:buFontTx/>
+              <a:buNone/>
+              <a:tabLst/>
+              <a:defRPr/>
+            </a:pPr>
+            <a:endParaRPr kumimoji="0" lang="en-US" sz="1800" b="0" i="0" u="none" strike="noStrike" kern="1200" cap="none" spc="0" normalizeH="0" baseline="0" noProof="0">
+              <a:ln>
+                <a:noFill/>
+              </a:ln>
+              <a:solidFill>
+                <a:prstClr val="white"/>
+              </a:solidFill>
+              <a:effectLst/>
+              <a:uLnTx/>
+              <a:uFillTx/>
+              <a:latin typeface="Calibri" panose="020F0502020204030204"/>
+              <a:ea typeface="+mn-ea"/>
+              <a:cs typeface="+mn-cs"/>
+            </a:endParaRPr>
+          </a:p>
+        </p:txBody>
+      </p:sp>
     </p:spTree>
     <p:extLst>
       <p:ext uri="{BB962C8B-B14F-4D97-AF65-F5344CB8AC3E}">
@@ -4374,7 +4426,7 @@
     </p:extLst>
   </p:cSld>
   <p:clrMapOvr>
-    <a:masterClrMapping/>
+    <a:overrideClrMapping bg1="dk1" tx1="lt1" bg2="dk2" tx2="lt2" accent1="accent1" accent2="accent2" accent3="accent3" accent4="accent4" accent5="accent5" accent6="accent6" hlink="hlink" folHlink="folHlink"/>
   </p:clrMapOvr>
 </p:sld>
 </file>
@@ -4382,14 +4434,6 @@
 <file path=ppt/slides/slide4.xml><?xml version="1.0" encoding="utf-8"?>
 <p:sld xmlns:a="http://schemas.openxmlformats.org/drawingml/2006/main" xmlns:r="http://schemas.openxmlformats.org/officeDocument/2006/relationships" xmlns:p="http://schemas.openxmlformats.org/presentationml/2006/main">
   <p:cSld>
-    <p:bg>
-      <p:bgPr>
-        <a:solidFill>
-          <a:srgbClr val="5F2137"/>
-        </a:solidFill>
-        <a:effectLst/>
-      </p:bgPr>
-    </p:bg>
     <p:spTree>
       <p:nvGrpSpPr>
         <p:cNvPr id="1" name=""/>
@@ -4404,590 +4448,40 @@
           <a:chExt cx="0" cy="0"/>
         </a:xfrm>
       </p:grpSpPr>
-      <p:sp>
-        <p:nvSpPr>
-          <p:cNvPr id="2" name="TextBox 1">
-            <a:extLst>
-              <a:ext uri="{FF2B5EF4-FFF2-40B4-BE49-F238E27FC236}">
-                <a16:creationId xmlns:a16="http://schemas.microsoft.com/office/drawing/2014/main" id="{08FB8644-1185-307A-25BB-803496381927}"/>
-              </a:ext>
-            </a:extLst>
-          </p:cNvPr>
-          <p:cNvSpPr txBox="1"/>
+      <p:pic>
+        <p:nvPicPr>
+          <p:cNvPr id="3" name="Obrázok 2">
+            <a:extLst>
+              <a:ext uri="{FF2B5EF4-FFF2-40B4-BE49-F238E27FC236}">
+                <a16:creationId xmlns:a16="http://schemas.microsoft.com/office/drawing/2014/main" id="{DB62170B-DEF8-3380-1786-E5A0039B8312}"/>
+              </a:ext>
+            </a:extLst>
+          </p:cNvPr>
+          <p:cNvPicPr>
+            <a:picLocks noChangeAspect="1"/>
+          </p:cNvPicPr>
           <p:nvPr/>
-        </p:nvSpPr>
+        </p:nvPicPr>
+        <p:blipFill>
+          <a:blip r:embed="rId2"/>
+          <a:stretch>
+            <a:fillRect/>
+          </a:stretch>
+        </p:blipFill>
         <p:spPr>
           <a:xfrm>
-            <a:off x="1021429" y="488610"/>
-            <a:ext cx="9897856" cy="584775"/>
+            <a:off x="406400" y="103730"/>
+            <a:ext cx="10759440" cy="6288323"/>
           </a:xfrm>
           <a:prstGeom prst="rect">
             <a:avLst/>
           </a:prstGeom>
-          <a:noFill/>
         </p:spPr>
-        <p:txBody>
-          <a:bodyPr wrap="square" rtlCol="0">
-            <a:spAutoFit/>
-          </a:bodyPr>
-          <a:lstStyle/>
-          <a:p>
-            <a:pPr algn="ctr"/>
-            <a:r>
-              <a:rPr lang="en-GB" sz="3200" b="1" dirty="0"/>
-              <a:t>Functional requirements</a:t>
-            </a:r>
-          </a:p>
-        </p:txBody>
-      </p:sp>
-      <p:graphicFrame>
-        <p:nvGraphicFramePr>
-          <p:cNvPr id="4" name="Table 4">
-            <a:extLst>
-              <a:ext uri="{FF2B5EF4-FFF2-40B4-BE49-F238E27FC236}">
-                <a16:creationId xmlns:a16="http://schemas.microsoft.com/office/drawing/2014/main" id="{94DC0FB0-F5A0-5613-BE5F-6033067780F3}"/>
-              </a:ext>
-            </a:extLst>
-          </p:cNvPr>
-          <p:cNvGraphicFramePr>
-            <a:graphicFrameLocks noGrp="1"/>
-          </p:cNvGraphicFramePr>
-          <p:nvPr>
-            <p:extLst>
-              <p:ext uri="{D42A27DB-BD31-4B8C-83A1-F6EECF244321}">
-                <p14:modId xmlns:p14="http://schemas.microsoft.com/office/powerpoint/2010/main" val="675835676"/>
-              </p:ext>
-            </p:extLst>
-          </p:nvPr>
-        </p:nvGraphicFramePr>
-        <p:xfrm>
-          <a:off x="2032000" y="1424661"/>
-          <a:ext cx="8127999" cy="4856480"/>
-        </p:xfrm>
-        <a:graphic>
-          <a:graphicData uri="http://schemas.openxmlformats.org/drawingml/2006/table">
-            <a:tbl>
-              <a:tblPr firstRow="1" bandRow="1">
-                <a:tableStyleId>{5C22544A-7EE6-4342-B048-85BDC9FD1C3A}</a:tableStyleId>
-              </a:tblPr>
-              <a:tblGrid>
-                <a:gridCol w="1332434">
-                  <a:extLst>
-                    <a:ext uri="{9D8B030D-6E8A-4147-A177-3AD203B41FA5}">
-                      <a16:colId xmlns:a16="http://schemas.microsoft.com/office/drawing/2014/main" val="2155242286"/>
-                    </a:ext>
-                  </a:extLst>
-                </a:gridCol>
-                <a:gridCol w="5235114">
-                  <a:extLst>
-                    <a:ext uri="{9D8B030D-6E8A-4147-A177-3AD203B41FA5}">
-                      <a16:colId xmlns:a16="http://schemas.microsoft.com/office/drawing/2014/main" val="3052930052"/>
-                    </a:ext>
-                  </a:extLst>
-                </a:gridCol>
-                <a:gridCol w="1560451">
-                  <a:extLst>
-                    <a:ext uri="{9D8B030D-6E8A-4147-A177-3AD203B41FA5}">
-                      <a16:colId xmlns:a16="http://schemas.microsoft.com/office/drawing/2014/main" val="2652986192"/>
-                    </a:ext>
-                  </a:extLst>
-                </a:gridCol>
-              </a:tblGrid>
-              <a:tr h="370840">
-                <a:tc>
-                  <a:txBody>
-                    <a:bodyPr/>
-                    <a:lstStyle/>
-                    <a:p>
-                      <a:r>
-                        <a:rPr lang="en-GB" dirty="0" err="1"/>
-                        <a:t>Req_ID</a:t>
-                      </a:r>
-                      <a:endParaRPr lang="en-GB" dirty="0"/>
-                    </a:p>
-                  </a:txBody>
-                  <a:tcPr/>
-                </a:tc>
-                <a:tc>
-                  <a:txBody>
-                    <a:bodyPr/>
-                    <a:lstStyle/>
-                    <a:p>
-                      <a:endParaRPr lang="en-GB"/>
-                    </a:p>
-                  </a:txBody>
-                  <a:tcPr/>
-                </a:tc>
-                <a:tc>
-                  <a:txBody>
-                    <a:bodyPr/>
-                    <a:lstStyle/>
-                    <a:p>
-                      <a:r>
-                        <a:rPr lang="en-GB" dirty="0"/>
-                        <a:t>Comments</a:t>
-                      </a:r>
-                    </a:p>
-                  </a:txBody>
-                  <a:tcPr/>
-                </a:tc>
-                <a:extLst>
-                  <a:ext uri="{0D108BD9-81ED-4DB2-BD59-A6C34878D82A}">
-                    <a16:rowId xmlns:a16="http://schemas.microsoft.com/office/drawing/2014/main" val="3287226870"/>
-                  </a:ext>
-                </a:extLst>
-              </a:tr>
-              <a:tr h="370840">
-                <a:tc>
-                  <a:txBody>
-                    <a:bodyPr/>
-                    <a:lstStyle/>
-                    <a:p>
-                      <a:r>
-                        <a:rPr lang="en-GB" dirty="0"/>
-                        <a:t>Req_01</a:t>
-                      </a:r>
-                    </a:p>
-                  </a:txBody>
-                  <a:tcPr/>
-                </a:tc>
-                <a:tc>
-                  <a:txBody>
-                    <a:bodyPr/>
-                    <a:lstStyle/>
-                    <a:p>
-                      <a:r>
-                        <a:rPr lang="en-GB" sz="1800" kern="1200" dirty="0">
-                          <a:solidFill>
-                            <a:schemeClr val="dk1"/>
-                          </a:solidFill>
-                          <a:effectLst/>
-                          <a:latin typeface="+mn-lt"/>
-                          <a:ea typeface="+mn-ea"/>
-                          <a:cs typeface="+mn-cs"/>
-                        </a:rPr>
-                        <a:t>User should be able to enter their name and age.</a:t>
-                      </a:r>
-                      <a:endParaRPr lang="en-GB" dirty="0"/>
-                    </a:p>
-                  </a:txBody>
-                  <a:tcPr/>
-                </a:tc>
-                <a:tc>
-                  <a:txBody>
-                    <a:bodyPr/>
-                    <a:lstStyle/>
-                    <a:p>
-                      <a:endParaRPr lang="en-GB"/>
-                    </a:p>
-                  </a:txBody>
-                  <a:tcPr/>
-                </a:tc>
-                <a:extLst>
-                  <a:ext uri="{0D108BD9-81ED-4DB2-BD59-A6C34878D82A}">
-                    <a16:rowId xmlns:a16="http://schemas.microsoft.com/office/drawing/2014/main" val="4099635983"/>
-                  </a:ext>
-                </a:extLst>
-              </a:tr>
-              <a:tr h="370840">
-                <a:tc>
-                  <a:txBody>
-                    <a:bodyPr/>
-                    <a:lstStyle/>
-                    <a:p>
-                      <a:pPr marL="0" marR="0" lvl="0" indent="0" algn="l" defTabSz="914400" rtl="0" eaLnBrk="1" fontAlgn="auto" latinLnBrk="0" hangingPunct="1">
-                        <a:lnSpc>
-                          <a:spcPct val="100000"/>
-                        </a:lnSpc>
-                        <a:spcBef>
-                          <a:spcPts val="0"/>
-                        </a:spcBef>
-                        <a:spcAft>
-                          <a:spcPts val="0"/>
-                        </a:spcAft>
-                        <a:buClrTx/>
-                        <a:buSzTx/>
-                        <a:buFontTx/>
-                        <a:buNone/>
-                        <a:tabLst/>
-                        <a:defRPr/>
-                      </a:pPr>
-                      <a:r>
-                        <a:rPr lang="en-GB" dirty="0"/>
-                        <a:t>Req_02</a:t>
-                      </a:r>
-                    </a:p>
-                    <a:p>
-                      <a:endParaRPr lang="en-GB" dirty="0"/>
-                    </a:p>
-                  </a:txBody>
-                  <a:tcPr/>
-                </a:tc>
-                <a:tc>
-                  <a:txBody>
-                    <a:bodyPr/>
-                    <a:lstStyle/>
-                    <a:p>
-                      <a:pPr marL="0" marR="0" lvl="0" indent="0" algn="l" defTabSz="914400" rtl="0" eaLnBrk="1" fontAlgn="auto" latinLnBrk="0" hangingPunct="1">
-                        <a:lnSpc>
-                          <a:spcPct val="100000"/>
-                        </a:lnSpc>
-                        <a:spcBef>
-                          <a:spcPts val="0"/>
-                        </a:spcBef>
-                        <a:spcAft>
-                          <a:spcPts val="0"/>
-                        </a:spcAft>
-                        <a:buClrTx/>
-                        <a:buSzTx/>
-                        <a:buFontTx/>
-                        <a:buNone/>
-                        <a:tabLst/>
-                        <a:defRPr/>
-                      </a:pPr>
-                      <a:r>
-                        <a:rPr lang="en-GB" sz="1800" kern="1200" dirty="0">
-                          <a:solidFill>
-                            <a:schemeClr val="dk1"/>
-                          </a:solidFill>
-                          <a:effectLst/>
-                          <a:latin typeface="+mn-lt"/>
-                          <a:ea typeface="+mn-ea"/>
-                          <a:cs typeface="+mn-cs"/>
-                        </a:rPr>
-                        <a:t>User should be able to enter their monthly income detail.</a:t>
-                      </a:r>
-                    </a:p>
-                    <a:p>
-                      <a:endParaRPr lang="en-GB" dirty="0"/>
-                    </a:p>
-                  </a:txBody>
-                  <a:tcPr/>
-                </a:tc>
-                <a:tc>
-                  <a:txBody>
-                    <a:bodyPr/>
-                    <a:lstStyle/>
-                    <a:p>
-                      <a:endParaRPr lang="en-GB"/>
-                    </a:p>
-                  </a:txBody>
-                  <a:tcPr/>
-                </a:tc>
-                <a:extLst>
-                  <a:ext uri="{0D108BD9-81ED-4DB2-BD59-A6C34878D82A}">
-                    <a16:rowId xmlns:a16="http://schemas.microsoft.com/office/drawing/2014/main" val="2865261349"/>
-                  </a:ext>
-                </a:extLst>
-              </a:tr>
-              <a:tr h="370840">
-                <a:tc>
-                  <a:txBody>
-                    <a:bodyPr/>
-                    <a:lstStyle/>
-                    <a:p>
-                      <a:pPr marL="0" marR="0" lvl="0" indent="0" algn="l" defTabSz="914400" rtl="0" eaLnBrk="1" fontAlgn="auto" latinLnBrk="0" hangingPunct="1">
-                        <a:lnSpc>
-                          <a:spcPct val="100000"/>
-                        </a:lnSpc>
-                        <a:spcBef>
-                          <a:spcPts val="0"/>
-                        </a:spcBef>
-                        <a:spcAft>
-                          <a:spcPts val="0"/>
-                        </a:spcAft>
-                        <a:buClrTx/>
-                        <a:buSzTx/>
-                        <a:buFontTx/>
-                        <a:buNone/>
-                        <a:tabLst/>
-                        <a:defRPr/>
-                      </a:pPr>
-                      <a:r>
-                        <a:rPr lang="en-GB" dirty="0"/>
-                        <a:t>Req_03</a:t>
-                      </a:r>
-                    </a:p>
-                    <a:p>
-                      <a:endParaRPr lang="en-GB" dirty="0"/>
-                    </a:p>
-                  </a:txBody>
-                  <a:tcPr/>
-                </a:tc>
-                <a:tc>
-                  <a:txBody>
-                    <a:bodyPr/>
-                    <a:lstStyle/>
-                    <a:p>
-                      <a:r>
-                        <a:rPr lang="en-GB" sz="1800" kern="1200" dirty="0">
-                          <a:solidFill>
-                            <a:schemeClr val="dk1"/>
-                          </a:solidFill>
-                          <a:effectLst/>
-                          <a:latin typeface="+mn-lt"/>
-                          <a:ea typeface="+mn-ea"/>
-                          <a:cs typeface="+mn-cs"/>
-                        </a:rPr>
-                        <a:t>User should be able to enter their monthly expenses details</a:t>
-                      </a:r>
-                      <a:endParaRPr lang="en-GB" dirty="0"/>
-                    </a:p>
-                  </a:txBody>
-                  <a:tcPr/>
-                </a:tc>
-                <a:tc>
-                  <a:txBody>
-                    <a:bodyPr/>
-                    <a:lstStyle/>
-                    <a:p>
-                      <a:endParaRPr lang="en-GB"/>
-                    </a:p>
-                  </a:txBody>
-                  <a:tcPr/>
-                </a:tc>
-                <a:extLst>
-                  <a:ext uri="{0D108BD9-81ED-4DB2-BD59-A6C34878D82A}">
-                    <a16:rowId xmlns:a16="http://schemas.microsoft.com/office/drawing/2014/main" val="3969249059"/>
-                  </a:ext>
-                </a:extLst>
-              </a:tr>
-              <a:tr h="370840">
-                <a:tc>
-                  <a:txBody>
-                    <a:bodyPr/>
-                    <a:lstStyle/>
-                    <a:p>
-                      <a:r>
-                        <a:rPr lang="en-GB" dirty="0"/>
-                        <a:t>Req_04</a:t>
-                      </a:r>
-                    </a:p>
-                  </a:txBody>
-                  <a:tcPr/>
-                </a:tc>
-                <a:tc>
-                  <a:txBody>
-                    <a:bodyPr/>
-                    <a:lstStyle/>
-                    <a:p>
-                      <a:r>
-                        <a:rPr lang="en-GB" sz="1800" kern="1200" dirty="0">
-                          <a:solidFill>
-                            <a:schemeClr val="dk1"/>
-                          </a:solidFill>
-                          <a:effectLst/>
-                          <a:latin typeface="+mn-lt"/>
-                          <a:ea typeface="+mn-ea"/>
-                          <a:cs typeface="+mn-cs"/>
-                        </a:rPr>
-                        <a:t>User should be able to view their next monthly saving prediction.</a:t>
-                      </a:r>
-                      <a:endParaRPr lang="en-GB" dirty="0"/>
-                    </a:p>
-                  </a:txBody>
-                  <a:tcPr/>
-                </a:tc>
-                <a:tc>
-                  <a:txBody>
-                    <a:bodyPr/>
-                    <a:lstStyle/>
-                    <a:p>
-                      <a:endParaRPr lang="en-GB"/>
-                    </a:p>
-                  </a:txBody>
-                  <a:tcPr/>
-                </a:tc>
-                <a:extLst>
-                  <a:ext uri="{0D108BD9-81ED-4DB2-BD59-A6C34878D82A}">
-                    <a16:rowId xmlns:a16="http://schemas.microsoft.com/office/drawing/2014/main" val="2909896892"/>
-                  </a:ext>
-                </a:extLst>
-              </a:tr>
-              <a:tr h="370840">
-                <a:tc>
-                  <a:txBody>
-                    <a:bodyPr/>
-                    <a:lstStyle/>
-                    <a:p>
-                      <a:r>
-                        <a:rPr lang="en-GB" dirty="0"/>
-                        <a:t>Req_05</a:t>
-                      </a:r>
-                    </a:p>
-                  </a:txBody>
-                  <a:tcPr/>
-                </a:tc>
-                <a:tc>
-                  <a:txBody>
-                    <a:bodyPr/>
-                    <a:lstStyle/>
-                    <a:p>
-                      <a:r>
-                        <a:rPr lang="en-GB" sz="1800" kern="1200" dirty="0">
-                          <a:solidFill>
-                            <a:schemeClr val="dk1"/>
-                          </a:solidFill>
-                          <a:effectLst/>
-                          <a:latin typeface="+mn-lt"/>
-                          <a:ea typeface="+mn-ea"/>
-                          <a:cs typeface="+mn-cs"/>
-                        </a:rPr>
-                        <a:t>User should be able to create their potential risk profile</a:t>
-                      </a:r>
-                      <a:endParaRPr lang="en-GB" dirty="0"/>
-                    </a:p>
-                  </a:txBody>
-                  <a:tcPr/>
-                </a:tc>
-                <a:tc>
-                  <a:txBody>
-                    <a:bodyPr/>
-                    <a:lstStyle/>
-                    <a:p>
-                      <a:endParaRPr lang="en-GB" dirty="0"/>
-                    </a:p>
-                  </a:txBody>
-                  <a:tcPr/>
-                </a:tc>
-                <a:extLst>
-                  <a:ext uri="{0D108BD9-81ED-4DB2-BD59-A6C34878D82A}">
-                    <a16:rowId xmlns:a16="http://schemas.microsoft.com/office/drawing/2014/main" val="1451952986"/>
-                  </a:ext>
-                </a:extLst>
-              </a:tr>
-              <a:tr h="370840">
-                <a:tc>
-                  <a:txBody>
-                    <a:bodyPr/>
-                    <a:lstStyle/>
-                    <a:p>
-                      <a:r>
-                        <a:rPr lang="en-GB" dirty="0"/>
-                        <a:t>Req_06</a:t>
-                      </a:r>
-                    </a:p>
-                  </a:txBody>
-                  <a:tcPr/>
-                </a:tc>
-                <a:tc>
-                  <a:txBody>
-                    <a:bodyPr/>
-                    <a:lstStyle/>
-                    <a:p>
-                      <a:r>
-                        <a:rPr lang="en-GB" sz="1800" kern="1200" dirty="0">
-                          <a:solidFill>
-                            <a:schemeClr val="dk1"/>
-                          </a:solidFill>
-                          <a:effectLst/>
-                          <a:latin typeface="+mn-lt"/>
-                          <a:ea typeface="+mn-ea"/>
-                          <a:cs typeface="+mn-cs"/>
-                        </a:rPr>
-                        <a:t>User should be able to select their predictions according to history and goals. </a:t>
-                      </a:r>
-                      <a:endParaRPr lang="en-GB" dirty="0"/>
-                    </a:p>
-                  </a:txBody>
-                  <a:tcPr/>
-                </a:tc>
-                <a:tc>
-                  <a:txBody>
-                    <a:bodyPr/>
-                    <a:lstStyle/>
-                    <a:p>
-                      <a:endParaRPr lang="en-GB" dirty="0"/>
-                    </a:p>
-                  </a:txBody>
-                  <a:tcPr/>
-                </a:tc>
-                <a:extLst>
-                  <a:ext uri="{0D108BD9-81ED-4DB2-BD59-A6C34878D82A}">
-                    <a16:rowId xmlns:a16="http://schemas.microsoft.com/office/drawing/2014/main" val="1453987867"/>
-                  </a:ext>
-                </a:extLst>
-              </a:tr>
-              <a:tr h="370840">
-                <a:tc>
-                  <a:txBody>
-                    <a:bodyPr/>
-                    <a:lstStyle/>
-                    <a:p>
-                      <a:pPr marL="0" marR="0" lvl="0" indent="0" algn="l" defTabSz="914400" rtl="0" eaLnBrk="1" fontAlgn="auto" latinLnBrk="0" hangingPunct="1">
-                        <a:lnSpc>
-                          <a:spcPct val="100000"/>
-                        </a:lnSpc>
-                        <a:spcBef>
-                          <a:spcPts val="0"/>
-                        </a:spcBef>
-                        <a:spcAft>
-                          <a:spcPts val="0"/>
-                        </a:spcAft>
-                        <a:buClrTx/>
-                        <a:buSzTx/>
-                        <a:buFontTx/>
-                        <a:buNone/>
-                        <a:tabLst/>
-                        <a:defRPr/>
-                      </a:pPr>
-                      <a:r>
-                        <a:rPr lang="en-GB" dirty="0"/>
-                        <a:t>Req_07</a:t>
-                      </a:r>
-                    </a:p>
-                    <a:p>
-                      <a:endParaRPr lang="en-GB" dirty="0"/>
-                    </a:p>
-                  </a:txBody>
-                  <a:tcPr/>
-                </a:tc>
-                <a:tc>
-                  <a:txBody>
-                    <a:bodyPr/>
-                    <a:lstStyle/>
-                    <a:p>
-                      <a:r>
-                        <a:rPr lang="en-GB" sz="1800" kern="1200" dirty="0">
-                          <a:solidFill>
-                            <a:schemeClr val="dk1"/>
-                          </a:solidFill>
-                          <a:effectLst/>
-                          <a:latin typeface="+mn-lt"/>
-                          <a:ea typeface="+mn-ea"/>
-                          <a:cs typeface="+mn-cs"/>
-                        </a:rPr>
-                        <a:t>Create tailored notifications of the investment fund utilising on possible investments</a:t>
-                      </a:r>
-                      <a:endParaRPr lang="en-GB" dirty="0"/>
-                    </a:p>
-                  </a:txBody>
-                  <a:tcPr/>
-                </a:tc>
-                <a:tc>
-                  <a:txBody>
-                    <a:bodyPr/>
-                    <a:lstStyle/>
-                    <a:p>
-                      <a:endParaRPr lang="en-GB" dirty="0"/>
-                    </a:p>
-                  </a:txBody>
-                  <a:tcPr/>
-                </a:tc>
-                <a:extLst>
-                  <a:ext uri="{0D108BD9-81ED-4DB2-BD59-A6C34878D82A}">
-                    <a16:rowId xmlns:a16="http://schemas.microsoft.com/office/drawing/2014/main" val="2709754077"/>
-                  </a:ext>
-                </a:extLst>
-              </a:tr>
-            </a:tbl>
-          </a:graphicData>
-        </a:graphic>
-      </p:graphicFrame>
+      </p:pic>
     </p:spTree>
     <p:extLst>
       <p:ext uri="{BB962C8B-B14F-4D97-AF65-F5344CB8AC3E}">
-        <p14:creationId xmlns:p14="http://schemas.microsoft.com/office/powerpoint/2010/main" val="4233360944"/>
+        <p14:creationId xmlns:p14="http://schemas.microsoft.com/office/powerpoint/2010/main" val="3971939126"/>
       </p:ext>
     </p:extLst>
   </p:cSld>
@@ -5000,14 +4494,6 @@
 <file path=ppt/slides/slide5.xml><?xml version="1.0" encoding="utf-8"?>
 <p:sld xmlns:a="http://schemas.openxmlformats.org/drawingml/2006/main" xmlns:r="http://schemas.openxmlformats.org/officeDocument/2006/relationships" xmlns:p="http://schemas.openxmlformats.org/presentationml/2006/main">
   <p:cSld>
-    <p:bg>
-      <p:bgPr>
-        <a:solidFill>
-          <a:srgbClr val="5F2137"/>
-        </a:solidFill>
-        <a:effectLst/>
-      </p:bgPr>
-    </p:bg>
     <p:spTree>
       <p:nvGrpSpPr>
         <p:cNvPr id="1" name=""/>
@@ -5022,375 +4508,100 @@
           <a:chExt cx="0" cy="0"/>
         </a:xfrm>
       </p:grpSpPr>
-      <p:sp>
-        <p:nvSpPr>
-          <p:cNvPr id="2" name="TextBox 1">
-            <a:extLst>
-              <a:ext uri="{FF2B5EF4-FFF2-40B4-BE49-F238E27FC236}">
-                <a16:creationId xmlns:a16="http://schemas.microsoft.com/office/drawing/2014/main" id="{08FB8644-1185-307A-25BB-803496381927}"/>
-              </a:ext>
-            </a:extLst>
-          </p:cNvPr>
-          <p:cNvSpPr txBox="1"/>
+      <p:pic>
+        <p:nvPicPr>
+          <p:cNvPr id="5" name="Obrázok 4">
+            <a:extLst>
+              <a:ext uri="{FF2B5EF4-FFF2-40B4-BE49-F238E27FC236}">
+                <a16:creationId xmlns:a16="http://schemas.microsoft.com/office/drawing/2014/main" id="{5B9A9085-7A7F-880C-A892-AE9ABC8B5B56}"/>
+              </a:ext>
+            </a:extLst>
+          </p:cNvPr>
+          <p:cNvPicPr>
+            <a:picLocks noChangeAspect="1"/>
+          </p:cNvPicPr>
           <p:nvPr/>
-        </p:nvSpPr>
+        </p:nvPicPr>
+        <p:blipFill>
+          <a:blip r:embed="rId2"/>
+          <a:stretch>
+            <a:fillRect/>
+          </a:stretch>
+        </p:blipFill>
         <p:spPr>
           <a:xfrm>
-            <a:off x="1021429" y="488610"/>
-            <a:ext cx="9897856" cy="584775"/>
+            <a:off x="4511041" y="3429000"/>
+            <a:ext cx="7533753" cy="1908700"/>
           </a:xfrm>
           <a:prstGeom prst="rect">
             <a:avLst/>
           </a:prstGeom>
-          <a:noFill/>
         </p:spPr>
-        <p:txBody>
-          <a:bodyPr wrap="square" rtlCol="0">
-            <a:spAutoFit/>
-          </a:bodyPr>
-          <a:lstStyle/>
-          <a:p>
-            <a:pPr algn="ctr"/>
-            <a:r>
-              <a:rPr lang="en-GB" sz="3200" b="1" dirty="0"/>
-              <a:t>Technical requirements</a:t>
-            </a:r>
-          </a:p>
-        </p:txBody>
-      </p:sp>
-      <p:graphicFrame>
-        <p:nvGraphicFramePr>
-          <p:cNvPr id="4" name="Table 4">
-            <a:extLst>
-              <a:ext uri="{FF2B5EF4-FFF2-40B4-BE49-F238E27FC236}">
-                <a16:creationId xmlns:a16="http://schemas.microsoft.com/office/drawing/2014/main" id="{94DC0FB0-F5A0-5613-BE5F-6033067780F3}"/>
-              </a:ext>
-            </a:extLst>
-          </p:cNvPr>
-          <p:cNvGraphicFramePr>
-            <a:graphicFrameLocks noGrp="1"/>
-          </p:cNvGraphicFramePr>
-          <p:nvPr>
-            <p:extLst>
-              <p:ext uri="{D42A27DB-BD31-4B8C-83A1-F6EECF244321}">
-                <p14:modId xmlns:p14="http://schemas.microsoft.com/office/powerpoint/2010/main" val="3371576218"/>
-              </p:ext>
-            </p:extLst>
-          </p:nvPr>
-        </p:nvGraphicFramePr>
-        <p:xfrm>
-          <a:off x="2032000" y="1424661"/>
-          <a:ext cx="8127999" cy="2565400"/>
-        </p:xfrm>
-        <a:graphic>
-          <a:graphicData uri="http://schemas.openxmlformats.org/drawingml/2006/table">
-            <a:tbl>
-              <a:tblPr firstRow="1" bandRow="1">
-                <a:tableStyleId>{5C22544A-7EE6-4342-B048-85BDC9FD1C3A}</a:tableStyleId>
-              </a:tblPr>
-              <a:tblGrid>
-                <a:gridCol w="1332434">
-                  <a:extLst>
-                    <a:ext uri="{9D8B030D-6E8A-4147-A177-3AD203B41FA5}">
-                      <a16:colId xmlns:a16="http://schemas.microsoft.com/office/drawing/2014/main" val="2155242286"/>
-                    </a:ext>
-                  </a:extLst>
-                </a:gridCol>
-                <a:gridCol w="5235114">
-                  <a:extLst>
-                    <a:ext uri="{9D8B030D-6E8A-4147-A177-3AD203B41FA5}">
-                      <a16:colId xmlns:a16="http://schemas.microsoft.com/office/drawing/2014/main" val="3052930052"/>
-                    </a:ext>
-                  </a:extLst>
-                </a:gridCol>
-                <a:gridCol w="1560451">
-                  <a:extLst>
-                    <a:ext uri="{9D8B030D-6E8A-4147-A177-3AD203B41FA5}">
-                      <a16:colId xmlns:a16="http://schemas.microsoft.com/office/drawing/2014/main" val="2652986192"/>
-                    </a:ext>
-                  </a:extLst>
-                </a:gridCol>
-              </a:tblGrid>
-              <a:tr h="370840">
-                <a:tc>
-                  <a:txBody>
-                    <a:bodyPr/>
-                    <a:lstStyle/>
-                    <a:p>
-                      <a:r>
-                        <a:rPr lang="en-GB" dirty="0" err="1"/>
-                        <a:t>Req_ID</a:t>
-                      </a:r>
-                      <a:endParaRPr lang="en-GB" dirty="0"/>
-                    </a:p>
-                  </a:txBody>
-                  <a:tcPr/>
-                </a:tc>
-                <a:tc>
-                  <a:txBody>
-                    <a:bodyPr/>
-                    <a:lstStyle/>
-                    <a:p>
-                      <a:endParaRPr lang="en-GB"/>
-                    </a:p>
-                  </a:txBody>
-                  <a:tcPr/>
-                </a:tc>
-                <a:tc>
-                  <a:txBody>
-                    <a:bodyPr/>
-                    <a:lstStyle/>
-                    <a:p>
-                      <a:r>
-                        <a:rPr lang="en-GB" dirty="0"/>
-                        <a:t>Comments</a:t>
-                      </a:r>
-                    </a:p>
-                  </a:txBody>
-                  <a:tcPr/>
-                </a:tc>
-                <a:extLst>
-                  <a:ext uri="{0D108BD9-81ED-4DB2-BD59-A6C34878D82A}">
-                    <a16:rowId xmlns:a16="http://schemas.microsoft.com/office/drawing/2014/main" val="3287226870"/>
-                  </a:ext>
-                </a:extLst>
-              </a:tr>
-              <a:tr h="370840">
-                <a:tc>
-                  <a:txBody>
-                    <a:bodyPr/>
-                    <a:lstStyle/>
-                    <a:p>
-                      <a:r>
-                        <a:rPr lang="en-GB" dirty="0"/>
-                        <a:t>Req_01</a:t>
-                      </a:r>
-                    </a:p>
-                  </a:txBody>
-                  <a:tcPr/>
-                </a:tc>
-                <a:tc>
-                  <a:txBody>
-                    <a:bodyPr/>
-                    <a:lstStyle/>
-                    <a:p>
-                      <a:pPr lvl="0"/>
-                      <a:r>
-                        <a:rPr lang="en-GB" sz="1800" kern="1200" dirty="0">
-                          <a:solidFill>
-                            <a:schemeClr val="dk1"/>
-                          </a:solidFill>
-                          <a:effectLst/>
-                          <a:latin typeface="+mn-lt"/>
-                          <a:ea typeface="+mn-ea"/>
-                          <a:cs typeface="+mn-cs"/>
-                        </a:rPr>
-                        <a:t>Analyse the spending patterns by corelating goals and expenditures. </a:t>
-                      </a:r>
-                    </a:p>
-                  </a:txBody>
-                  <a:tcPr/>
-                </a:tc>
-                <a:tc>
-                  <a:txBody>
-                    <a:bodyPr/>
-                    <a:lstStyle/>
-                    <a:p>
-                      <a:endParaRPr lang="en-GB"/>
-                    </a:p>
-                  </a:txBody>
-                  <a:tcPr/>
-                </a:tc>
-                <a:extLst>
-                  <a:ext uri="{0D108BD9-81ED-4DB2-BD59-A6C34878D82A}">
-                    <a16:rowId xmlns:a16="http://schemas.microsoft.com/office/drawing/2014/main" val="4099635983"/>
-                  </a:ext>
-                </a:extLst>
-              </a:tr>
-              <a:tr h="370840">
-                <a:tc>
-                  <a:txBody>
-                    <a:bodyPr/>
-                    <a:lstStyle/>
-                    <a:p>
-                      <a:pPr marL="0" marR="0" lvl="0" indent="0" algn="l" defTabSz="914400" rtl="0" eaLnBrk="1" fontAlgn="auto" latinLnBrk="0" hangingPunct="1">
-                        <a:lnSpc>
-                          <a:spcPct val="100000"/>
-                        </a:lnSpc>
-                        <a:spcBef>
-                          <a:spcPts val="0"/>
-                        </a:spcBef>
-                        <a:spcAft>
-                          <a:spcPts val="0"/>
-                        </a:spcAft>
-                        <a:buClrTx/>
-                        <a:buSzTx/>
-                        <a:buFontTx/>
-                        <a:buNone/>
-                        <a:tabLst/>
-                        <a:defRPr/>
-                      </a:pPr>
-                      <a:r>
-                        <a:rPr lang="en-GB" dirty="0"/>
-                        <a:t>Req_02</a:t>
-                      </a:r>
-                    </a:p>
-                    <a:p>
-                      <a:endParaRPr lang="en-GB" dirty="0"/>
-                    </a:p>
-                  </a:txBody>
-                  <a:tcPr/>
-                </a:tc>
-                <a:tc>
-                  <a:txBody>
-                    <a:bodyPr/>
-                    <a:lstStyle/>
-                    <a:p>
-                      <a:pPr marL="0" marR="0" lvl="0" indent="0" algn="l" defTabSz="914400" rtl="0" eaLnBrk="1" fontAlgn="auto" latinLnBrk="0" hangingPunct="1">
-                        <a:lnSpc>
-                          <a:spcPct val="100000"/>
-                        </a:lnSpc>
-                        <a:spcBef>
-                          <a:spcPts val="0"/>
-                        </a:spcBef>
-                        <a:spcAft>
-                          <a:spcPts val="0"/>
-                        </a:spcAft>
-                        <a:buClrTx/>
-                        <a:buSzTx/>
-                        <a:buFontTx/>
-                        <a:buNone/>
-                        <a:tabLst/>
-                        <a:defRPr/>
-                      </a:pPr>
-                      <a:r>
-                        <a:rPr lang="en-GB" sz="1800" kern="1200" dirty="0">
-                          <a:solidFill>
-                            <a:schemeClr val="dk1"/>
-                          </a:solidFill>
-                          <a:effectLst/>
-                          <a:latin typeface="+mn-lt"/>
-                          <a:ea typeface="+mn-ea"/>
-                          <a:cs typeface="+mn-cs"/>
-                        </a:rPr>
-                        <a:t>Create an user risk profile algorithm depending on investment objectives, and other relevant data, such as income and age.</a:t>
-                      </a:r>
-                    </a:p>
-                  </a:txBody>
-                  <a:tcPr/>
-                </a:tc>
-                <a:tc>
-                  <a:txBody>
-                    <a:bodyPr/>
-                    <a:lstStyle/>
-                    <a:p>
-                      <a:endParaRPr lang="en-GB"/>
-                    </a:p>
-                  </a:txBody>
-                  <a:tcPr/>
-                </a:tc>
-                <a:extLst>
-                  <a:ext uri="{0D108BD9-81ED-4DB2-BD59-A6C34878D82A}">
-                    <a16:rowId xmlns:a16="http://schemas.microsoft.com/office/drawing/2014/main" val="2865261349"/>
-                  </a:ext>
-                </a:extLst>
-              </a:tr>
-              <a:tr h="370840">
-                <a:tc>
-                  <a:txBody>
-                    <a:bodyPr/>
-                    <a:lstStyle/>
-                    <a:p>
-                      <a:pPr marL="0" marR="0" lvl="0" indent="0" algn="l" defTabSz="914400" rtl="0" eaLnBrk="1" fontAlgn="auto" latinLnBrk="0" hangingPunct="1">
-                        <a:lnSpc>
-                          <a:spcPct val="100000"/>
-                        </a:lnSpc>
-                        <a:spcBef>
-                          <a:spcPts val="0"/>
-                        </a:spcBef>
-                        <a:spcAft>
-                          <a:spcPts val="0"/>
-                        </a:spcAft>
-                        <a:buClrTx/>
-                        <a:buSzTx/>
-                        <a:buFontTx/>
-                        <a:buNone/>
-                        <a:tabLst/>
-                        <a:defRPr/>
-                      </a:pPr>
-                      <a:r>
-                        <a:rPr lang="en-GB" dirty="0"/>
-                        <a:t>Req_03</a:t>
-                      </a:r>
-                    </a:p>
-                    <a:p>
-                      <a:endParaRPr lang="en-GB" dirty="0"/>
-                    </a:p>
-                  </a:txBody>
-                  <a:tcPr/>
-                </a:tc>
-                <a:tc>
-                  <a:txBody>
-                    <a:bodyPr/>
-                    <a:lstStyle/>
-                    <a:p>
-                      <a:pPr marL="0" marR="0" lvl="0" indent="0" algn="l" defTabSz="914400" rtl="0" eaLnBrk="1" fontAlgn="auto" latinLnBrk="0" hangingPunct="1">
-                        <a:lnSpc>
-                          <a:spcPct val="100000"/>
-                        </a:lnSpc>
-                        <a:spcBef>
-                          <a:spcPts val="0"/>
-                        </a:spcBef>
-                        <a:spcAft>
-                          <a:spcPts val="0"/>
-                        </a:spcAft>
-                        <a:buClrTx/>
-                        <a:buSzTx/>
-                        <a:buFontTx/>
-                        <a:buNone/>
-                        <a:tabLst/>
-                        <a:defRPr/>
-                      </a:pPr>
-                      <a:r>
-                        <a:rPr lang="en-GB" sz="1800" kern="1200" dirty="0">
-                          <a:solidFill>
-                            <a:schemeClr val="dk1"/>
-                          </a:solidFill>
-                          <a:effectLst/>
-                          <a:latin typeface="+mn-lt"/>
-                          <a:ea typeface="+mn-ea"/>
-                          <a:cs typeface="+mn-cs"/>
-                        </a:rPr>
-                        <a:t>Create a tailored recommender system base on the risk profiles, budget, debt, history and goals. </a:t>
-                      </a:r>
-                    </a:p>
-                  </a:txBody>
-                  <a:tcPr/>
-                </a:tc>
-                <a:tc>
-                  <a:txBody>
-                    <a:bodyPr/>
-                    <a:lstStyle/>
-                    <a:p>
-                      <a:endParaRPr lang="en-GB" dirty="0"/>
-                    </a:p>
-                  </a:txBody>
-                  <a:tcPr/>
-                </a:tc>
-                <a:extLst>
-                  <a:ext uri="{0D108BD9-81ED-4DB2-BD59-A6C34878D82A}">
-                    <a16:rowId xmlns:a16="http://schemas.microsoft.com/office/drawing/2014/main" val="3969249059"/>
-                  </a:ext>
-                </a:extLst>
-              </a:tr>
-            </a:tbl>
-          </a:graphicData>
-        </a:graphic>
-      </p:graphicFrame>
+      </p:pic>
+      <p:pic>
+        <p:nvPicPr>
+          <p:cNvPr id="3" name="Obrázok 2">
+            <a:extLst>
+              <a:ext uri="{FF2B5EF4-FFF2-40B4-BE49-F238E27FC236}">
+                <a16:creationId xmlns:a16="http://schemas.microsoft.com/office/drawing/2014/main" id="{2C449752-22DA-3783-B83C-85B25EBA804F}"/>
+              </a:ext>
+            </a:extLst>
+          </p:cNvPr>
+          <p:cNvPicPr>
+            <a:picLocks noChangeAspect="1"/>
+          </p:cNvPicPr>
+          <p:nvPr/>
+        </p:nvPicPr>
+        <p:blipFill>
+          <a:blip r:embed="rId3"/>
+          <a:stretch>
+            <a:fillRect/>
+          </a:stretch>
+        </p:blipFill>
+        <p:spPr>
+          <a:xfrm>
+            <a:off x="1" y="2716476"/>
+            <a:ext cx="4511040" cy="3986049"/>
+          </a:xfrm>
+          <a:prstGeom prst="rect">
+            <a:avLst/>
+          </a:prstGeom>
+        </p:spPr>
+      </p:pic>
+      <p:pic>
+        <p:nvPicPr>
+          <p:cNvPr id="7" name="Obrázok 6">
+            <a:extLst>
+              <a:ext uri="{FF2B5EF4-FFF2-40B4-BE49-F238E27FC236}">
+                <a16:creationId xmlns:a16="http://schemas.microsoft.com/office/drawing/2014/main" id="{7E5927C1-AEC2-3179-412F-DB38DE0D04E5}"/>
+              </a:ext>
+            </a:extLst>
+          </p:cNvPr>
+          <p:cNvPicPr>
+            <a:picLocks noChangeAspect="1"/>
+          </p:cNvPicPr>
+          <p:nvPr/>
+        </p:nvPicPr>
+        <p:blipFill>
+          <a:blip r:embed="rId4"/>
+          <a:stretch>
+            <a:fillRect/>
+          </a:stretch>
+        </p:blipFill>
+        <p:spPr>
+          <a:xfrm>
+            <a:off x="1246445" y="92619"/>
+            <a:ext cx="10341150" cy="2609941"/>
+          </a:xfrm>
+          <a:prstGeom prst="rect">
+            <a:avLst/>
+          </a:prstGeom>
+        </p:spPr>
+      </p:pic>
     </p:spTree>
     <p:extLst>
       <p:ext uri="{BB962C8B-B14F-4D97-AF65-F5344CB8AC3E}">
-        <p14:creationId xmlns:p14="http://schemas.microsoft.com/office/powerpoint/2010/main" val="931847608"/>
+        <p14:creationId xmlns:p14="http://schemas.microsoft.com/office/powerpoint/2010/main" val="3693527490"/>
       </p:ext>
     </p:extLst>
   </p:cSld>
@@ -5439,8 +4650,8 @@
         </p:nvSpPr>
         <p:spPr>
           <a:xfrm>
-            <a:off x="1021429" y="488610"/>
-            <a:ext cx="9897856" cy="584775"/>
+            <a:off x="284868" y="2663934"/>
+            <a:ext cx="9897856" cy="3785652"/>
           </a:xfrm>
           <a:prstGeom prst="rect">
             <a:avLst/>
@@ -5453,327 +4664,210 @@
           </a:bodyPr>
           <a:lstStyle/>
           <a:p>
+            <a:pPr marL="857250" indent="-857250">
+              <a:buFont typeface="Arial" panose="020B0604020202020204" pitchFamily="34" charset="0"/>
+              <a:buChar char="•"/>
+            </a:pPr>
+            <a:r>
+              <a:rPr lang="sk-SK" sz="6000" b="1" dirty="0" err="1">
+                <a:solidFill>
+                  <a:schemeClr val="bg1"/>
+                </a:solidFill>
+              </a:rPr>
+              <a:t>Local</a:t>
+            </a:r>
+            <a:r>
+              <a:rPr lang="sk-SK" sz="6000" b="1" dirty="0">
+                <a:solidFill>
+                  <a:schemeClr val="bg1"/>
+                </a:solidFill>
+              </a:rPr>
+              <a:t> </a:t>
+            </a:r>
+            <a:r>
+              <a:rPr lang="sk-SK" sz="6000" b="1" dirty="0" err="1">
+                <a:solidFill>
+                  <a:schemeClr val="bg1"/>
+                </a:solidFill>
+              </a:rPr>
+              <a:t>Outlier</a:t>
+            </a:r>
+            <a:r>
+              <a:rPr lang="sk-SK" sz="6000" b="1" dirty="0">
+                <a:solidFill>
+                  <a:schemeClr val="bg1"/>
+                </a:solidFill>
+              </a:rPr>
+              <a:t> </a:t>
+            </a:r>
+            <a:r>
+              <a:rPr lang="sk-SK" sz="6000" b="1" dirty="0" err="1">
+                <a:solidFill>
+                  <a:schemeClr val="bg1"/>
+                </a:solidFill>
+              </a:rPr>
+              <a:t>Factor</a:t>
+            </a:r>
+            <a:r>
+              <a:rPr lang="sk-SK" sz="6000" b="1" dirty="0">
+                <a:solidFill>
+                  <a:schemeClr val="bg1"/>
+                </a:solidFill>
+              </a:rPr>
+              <a:t> (LOF)</a:t>
+            </a:r>
+          </a:p>
+          <a:p>
+            <a:pPr marL="857250" indent="-857250">
+              <a:buFont typeface="Arial" panose="020B0604020202020204" pitchFamily="34" charset="0"/>
+              <a:buChar char="•"/>
+            </a:pPr>
+            <a:r>
+              <a:rPr lang="en-GB" sz="6000" b="1" dirty="0">
+                <a:solidFill>
+                  <a:schemeClr val="bg1"/>
+                </a:solidFill>
+              </a:rPr>
+              <a:t>Isolation Forest </a:t>
+            </a:r>
+            <a:endParaRPr lang="sk-SK" sz="6000" b="1" dirty="0">
+              <a:solidFill>
+                <a:schemeClr val="bg1"/>
+              </a:solidFill>
+            </a:endParaRPr>
+          </a:p>
+          <a:p>
+            <a:pPr marL="857250" indent="-857250">
+              <a:buFont typeface="Arial" panose="020B0604020202020204" pitchFamily="34" charset="0"/>
+              <a:buChar char="•"/>
+            </a:pPr>
+            <a:r>
+              <a:rPr lang="en-GB" sz="6000" b="1" dirty="0">
+                <a:solidFill>
+                  <a:schemeClr val="bg1"/>
+                </a:solidFill>
+              </a:rPr>
+              <a:t>KNN (k-Nearest </a:t>
+            </a:r>
+            <a:r>
+              <a:rPr lang="en-GB" sz="6000" b="1" dirty="0" err="1">
+                <a:solidFill>
+                  <a:schemeClr val="bg1"/>
+                </a:solidFill>
+              </a:rPr>
+              <a:t>Neighbors</a:t>
+            </a:r>
+            <a:r>
+              <a:rPr lang="en-GB" sz="6000" b="1" dirty="0">
+                <a:solidFill>
+                  <a:schemeClr val="bg1"/>
+                </a:solidFill>
+              </a:rPr>
+              <a:t>)</a:t>
+            </a:r>
+            <a:endParaRPr lang="sk-SK" sz="6000" b="1" dirty="0">
+              <a:solidFill>
+                <a:schemeClr val="bg1"/>
+              </a:solidFill>
+            </a:endParaRPr>
+          </a:p>
+          <a:p>
+            <a:pPr marL="857250" indent="-857250">
+              <a:buFont typeface="Arial" panose="020B0604020202020204" pitchFamily="34" charset="0"/>
+              <a:buChar char="•"/>
+            </a:pPr>
+            <a:r>
+              <a:rPr lang="en-GB" sz="6000" b="1" dirty="0">
+                <a:solidFill>
+                  <a:schemeClr val="bg1"/>
+                </a:solidFill>
+              </a:rPr>
+              <a:t>DBSCAN</a:t>
+            </a:r>
+          </a:p>
+        </p:txBody>
+      </p:sp>
+      <p:sp>
+        <p:nvSpPr>
+          <p:cNvPr id="3" name="TextBox 1">
+            <a:extLst>
+              <a:ext uri="{FF2B5EF4-FFF2-40B4-BE49-F238E27FC236}">
+                <a16:creationId xmlns:a16="http://schemas.microsoft.com/office/drawing/2014/main" id="{499FA1BF-E1EE-632E-9369-288C5EF1A38C}"/>
+              </a:ext>
+            </a:extLst>
+          </p:cNvPr>
+          <p:cNvSpPr txBox="1"/>
+          <p:nvPr/>
+        </p:nvSpPr>
+        <p:spPr>
+          <a:xfrm>
+            <a:off x="1147072" y="284324"/>
+            <a:ext cx="9897856" cy="2554545"/>
+          </a:xfrm>
+          <a:prstGeom prst="rect">
+            <a:avLst/>
+          </a:prstGeom>
+          <a:noFill/>
+        </p:spPr>
+        <p:txBody>
+          <a:bodyPr wrap="square" rtlCol="0">
+            <a:spAutoFit/>
+          </a:bodyPr>
+          <a:lstStyle/>
+          <a:p>
             <a:pPr algn="ctr"/>
             <a:r>
-              <a:rPr lang="en-GB" sz="3200" b="1" dirty="0"/>
-              <a:t>Non-Functional Requirements (NFRs)</a:t>
-            </a:r>
-          </a:p>
-        </p:txBody>
-      </p:sp>
-      <p:graphicFrame>
-        <p:nvGraphicFramePr>
-          <p:cNvPr id="4" name="Table 4">
-            <a:extLst>
-              <a:ext uri="{FF2B5EF4-FFF2-40B4-BE49-F238E27FC236}">
-                <a16:creationId xmlns:a16="http://schemas.microsoft.com/office/drawing/2014/main" id="{94DC0FB0-F5A0-5613-BE5F-6033067780F3}"/>
-              </a:ext>
-            </a:extLst>
-          </p:cNvPr>
-          <p:cNvGraphicFramePr>
-            <a:graphicFrameLocks noGrp="1"/>
-          </p:cNvGraphicFramePr>
-          <p:nvPr>
-            <p:extLst>
-              <p:ext uri="{D42A27DB-BD31-4B8C-83A1-F6EECF244321}">
-                <p14:modId xmlns:p14="http://schemas.microsoft.com/office/powerpoint/2010/main" val="636084312"/>
-              </p:ext>
-            </p:extLst>
-          </p:nvPr>
-        </p:nvGraphicFramePr>
-        <p:xfrm>
-          <a:off x="2032000" y="1424661"/>
-          <a:ext cx="8127999" cy="2296160"/>
-        </p:xfrm>
-        <a:graphic>
-          <a:graphicData uri="http://schemas.openxmlformats.org/drawingml/2006/table">
-            <a:tbl>
-              <a:tblPr firstRow="1" bandRow="1">
-                <a:tableStyleId>{5C22544A-7EE6-4342-B048-85BDC9FD1C3A}</a:tableStyleId>
-              </a:tblPr>
-              <a:tblGrid>
-                <a:gridCol w="1332434">
-                  <a:extLst>
-                    <a:ext uri="{9D8B030D-6E8A-4147-A177-3AD203B41FA5}">
-                      <a16:colId xmlns:a16="http://schemas.microsoft.com/office/drawing/2014/main" val="2155242286"/>
-                    </a:ext>
-                  </a:extLst>
-                </a:gridCol>
-                <a:gridCol w="5235114">
-                  <a:extLst>
-                    <a:ext uri="{9D8B030D-6E8A-4147-A177-3AD203B41FA5}">
-                      <a16:colId xmlns:a16="http://schemas.microsoft.com/office/drawing/2014/main" val="3052930052"/>
-                    </a:ext>
-                  </a:extLst>
-                </a:gridCol>
-                <a:gridCol w="1560451">
-                  <a:extLst>
-                    <a:ext uri="{9D8B030D-6E8A-4147-A177-3AD203B41FA5}">
-                      <a16:colId xmlns:a16="http://schemas.microsoft.com/office/drawing/2014/main" val="2652986192"/>
-                    </a:ext>
-                  </a:extLst>
-                </a:gridCol>
-              </a:tblGrid>
-              <a:tr h="370840">
-                <a:tc>
-                  <a:txBody>
-                    <a:bodyPr/>
-                    <a:lstStyle/>
-                    <a:p>
-                      <a:r>
-                        <a:rPr lang="en-GB" dirty="0" err="1"/>
-                        <a:t>Req_ID</a:t>
-                      </a:r>
-                      <a:endParaRPr lang="en-GB" dirty="0"/>
-                    </a:p>
-                  </a:txBody>
-                  <a:tcPr/>
-                </a:tc>
-                <a:tc>
-                  <a:txBody>
-                    <a:bodyPr/>
-                    <a:lstStyle/>
-                    <a:p>
-                      <a:endParaRPr lang="en-GB"/>
-                    </a:p>
-                  </a:txBody>
-                  <a:tcPr/>
-                </a:tc>
-                <a:tc>
-                  <a:txBody>
-                    <a:bodyPr/>
-                    <a:lstStyle/>
-                    <a:p>
-                      <a:r>
-                        <a:rPr lang="en-GB" dirty="0"/>
-                        <a:t>Comments</a:t>
-                      </a:r>
-                    </a:p>
-                  </a:txBody>
-                  <a:tcPr/>
-                </a:tc>
-                <a:extLst>
-                  <a:ext uri="{0D108BD9-81ED-4DB2-BD59-A6C34878D82A}">
-                    <a16:rowId xmlns:a16="http://schemas.microsoft.com/office/drawing/2014/main" val="3287226870"/>
-                  </a:ext>
-                </a:extLst>
-              </a:tr>
-              <a:tr h="370840">
-                <a:tc>
-                  <a:txBody>
-                    <a:bodyPr/>
-                    <a:lstStyle/>
-                    <a:p>
-                      <a:r>
-                        <a:rPr lang="en-GB" dirty="0"/>
-                        <a:t>Req_01</a:t>
-                      </a:r>
-                    </a:p>
-                  </a:txBody>
-                  <a:tcPr/>
-                </a:tc>
-                <a:tc>
-                  <a:txBody>
-                    <a:bodyPr/>
-                    <a:lstStyle/>
-                    <a:p>
-                      <a:pPr lvl="0"/>
-                      <a:r>
-                        <a:rPr lang="en-GB" sz="1800" kern="1200" dirty="0">
-                          <a:solidFill>
-                            <a:schemeClr val="dk1"/>
-                          </a:solidFill>
-                          <a:effectLst/>
-                          <a:latin typeface="+mn-lt"/>
-                          <a:ea typeface="+mn-ea"/>
-                          <a:cs typeface="+mn-cs"/>
-                        </a:rPr>
-                        <a:t>Accessibility and smooth navigations for all users</a:t>
-                      </a:r>
-                    </a:p>
-                  </a:txBody>
-                  <a:tcPr/>
-                </a:tc>
-                <a:tc>
-                  <a:txBody>
-                    <a:bodyPr/>
-                    <a:lstStyle/>
-                    <a:p>
-                      <a:endParaRPr lang="en-GB"/>
-                    </a:p>
-                  </a:txBody>
-                  <a:tcPr/>
-                </a:tc>
-                <a:extLst>
-                  <a:ext uri="{0D108BD9-81ED-4DB2-BD59-A6C34878D82A}">
-                    <a16:rowId xmlns:a16="http://schemas.microsoft.com/office/drawing/2014/main" val="4099635983"/>
-                  </a:ext>
-                </a:extLst>
-              </a:tr>
-              <a:tr h="370840">
-                <a:tc>
-                  <a:txBody>
-                    <a:bodyPr/>
-                    <a:lstStyle/>
-                    <a:p>
-                      <a:pPr marL="0" marR="0" lvl="0" indent="0" algn="l" defTabSz="914400" rtl="0" eaLnBrk="1" fontAlgn="auto" latinLnBrk="0" hangingPunct="1">
-                        <a:lnSpc>
-                          <a:spcPct val="100000"/>
-                        </a:lnSpc>
-                        <a:spcBef>
-                          <a:spcPts val="0"/>
-                        </a:spcBef>
-                        <a:spcAft>
-                          <a:spcPts val="0"/>
-                        </a:spcAft>
-                        <a:buClrTx/>
-                        <a:buSzTx/>
-                        <a:buFontTx/>
-                        <a:buNone/>
-                        <a:tabLst/>
-                        <a:defRPr/>
-                      </a:pPr>
-                      <a:r>
-                        <a:rPr lang="en-GB" dirty="0"/>
-                        <a:t>Req_02</a:t>
-                      </a:r>
-                    </a:p>
-                    <a:p>
-                      <a:endParaRPr lang="en-GB" dirty="0"/>
-                    </a:p>
-                  </a:txBody>
-                  <a:tcPr/>
-                </a:tc>
-                <a:tc>
-                  <a:txBody>
-                    <a:bodyPr/>
-                    <a:lstStyle/>
-                    <a:p>
-                      <a:pPr marL="0" marR="0" lvl="0" indent="0" algn="l" defTabSz="914400" rtl="0" eaLnBrk="1" fontAlgn="auto" latinLnBrk="0" hangingPunct="1">
-                        <a:lnSpc>
-                          <a:spcPct val="100000"/>
-                        </a:lnSpc>
-                        <a:spcBef>
-                          <a:spcPts val="0"/>
-                        </a:spcBef>
-                        <a:spcAft>
-                          <a:spcPts val="0"/>
-                        </a:spcAft>
-                        <a:buClrTx/>
-                        <a:buSzTx/>
-                        <a:buFontTx/>
-                        <a:buNone/>
-                        <a:tabLst/>
-                        <a:defRPr/>
-                      </a:pPr>
-                      <a:r>
-                        <a:rPr lang="en-GB" sz="1800" kern="1200" dirty="0">
-                          <a:solidFill>
-                            <a:schemeClr val="dk1"/>
-                          </a:solidFill>
-                          <a:effectLst/>
-                          <a:latin typeface="+mn-lt"/>
-                          <a:ea typeface="+mn-ea"/>
-                          <a:cs typeface="+mn-cs"/>
-                        </a:rPr>
-                        <a:t>Response/generating of report SLA (Service level agreement) should within &lt; 5seconds</a:t>
-                      </a:r>
-                    </a:p>
-                  </a:txBody>
-                  <a:tcPr/>
-                </a:tc>
-                <a:tc>
-                  <a:txBody>
-                    <a:bodyPr/>
-                    <a:lstStyle/>
-                    <a:p>
-                      <a:endParaRPr lang="en-GB" dirty="0"/>
-                    </a:p>
-                  </a:txBody>
-                  <a:tcPr/>
-                </a:tc>
-                <a:extLst>
-                  <a:ext uri="{0D108BD9-81ED-4DB2-BD59-A6C34878D82A}">
-                    <a16:rowId xmlns:a16="http://schemas.microsoft.com/office/drawing/2014/main" val="2865261349"/>
-                  </a:ext>
-                </a:extLst>
-              </a:tr>
-              <a:tr h="370840">
-                <a:tc>
-                  <a:txBody>
-                    <a:bodyPr/>
-                    <a:lstStyle/>
-                    <a:p>
-                      <a:r>
-                        <a:rPr lang="en-GB" dirty="0"/>
-                        <a:t>Req_03</a:t>
-                      </a:r>
-                    </a:p>
-                  </a:txBody>
-                  <a:tcPr/>
-                </a:tc>
-                <a:tc>
-                  <a:txBody>
-                    <a:bodyPr/>
-                    <a:lstStyle/>
-                    <a:p>
-                      <a:pPr marL="0" marR="0" lvl="0" indent="0" algn="l" defTabSz="914400" rtl="0" eaLnBrk="1" fontAlgn="auto" latinLnBrk="0" hangingPunct="1">
-                        <a:lnSpc>
-                          <a:spcPct val="100000"/>
-                        </a:lnSpc>
-                        <a:spcBef>
-                          <a:spcPts val="0"/>
-                        </a:spcBef>
-                        <a:spcAft>
-                          <a:spcPts val="0"/>
-                        </a:spcAft>
-                        <a:buClrTx/>
-                        <a:buSzTx/>
-                        <a:buFontTx/>
-                        <a:buNone/>
-                        <a:tabLst/>
-                        <a:defRPr/>
-                      </a:pPr>
-                      <a:r>
-                        <a:rPr lang="en-GB" sz="1800" kern="1200" dirty="0">
-                          <a:solidFill>
-                            <a:schemeClr val="dk1"/>
-                          </a:solidFill>
-                          <a:effectLst/>
-                          <a:latin typeface="+mn-lt"/>
-                          <a:ea typeface="+mn-ea"/>
-                          <a:cs typeface="+mn-cs"/>
-                        </a:rPr>
-                        <a:t>API integration performance and volume testing should be as per product owners guidelines and approvals.</a:t>
-                      </a:r>
-                    </a:p>
-                  </a:txBody>
-                  <a:tcPr/>
-                </a:tc>
-                <a:tc>
-                  <a:txBody>
-                    <a:bodyPr/>
-                    <a:lstStyle/>
-                    <a:p>
-                      <a:endParaRPr lang="en-GB" dirty="0"/>
-                    </a:p>
-                  </a:txBody>
-                  <a:tcPr/>
-                </a:tc>
-                <a:extLst>
-                  <a:ext uri="{0D108BD9-81ED-4DB2-BD59-A6C34878D82A}">
-                    <a16:rowId xmlns:a16="http://schemas.microsoft.com/office/drawing/2014/main" val="1065560936"/>
-                  </a:ext>
-                </a:extLst>
-              </a:tr>
-            </a:tbl>
-          </a:graphicData>
-        </a:graphic>
-      </p:graphicFrame>
+              <a:rPr lang="sk-SK" sz="8000" b="1" dirty="0" err="1">
+                <a:solidFill>
+                  <a:schemeClr val="bg1"/>
+                </a:solidFill>
+              </a:rPr>
+              <a:t>Anomaly</a:t>
+            </a:r>
+            <a:r>
+              <a:rPr lang="sk-SK" sz="8000" b="1" dirty="0">
+                <a:solidFill>
+                  <a:schemeClr val="bg1"/>
+                </a:solidFill>
+              </a:rPr>
+              <a:t> </a:t>
+            </a:r>
+            <a:r>
+              <a:rPr lang="sk-SK" sz="8000" b="1" dirty="0" err="1">
+                <a:solidFill>
+                  <a:schemeClr val="bg1"/>
+                </a:solidFill>
+              </a:rPr>
+              <a:t>detections</a:t>
+            </a:r>
+            <a:r>
+              <a:rPr lang="sk-SK" sz="8000" b="1" dirty="0">
+                <a:solidFill>
+                  <a:schemeClr val="bg1"/>
+                </a:solidFill>
+              </a:rPr>
+              <a:t> </a:t>
+            </a:r>
+            <a:r>
+              <a:rPr lang="sk-SK" sz="8000" b="1" dirty="0" err="1">
+                <a:solidFill>
+                  <a:schemeClr val="bg1"/>
+                </a:solidFill>
+              </a:rPr>
+              <a:t>alternatives</a:t>
+            </a:r>
+            <a:endParaRPr lang="en-GB" sz="8000" b="1" dirty="0">
+              <a:solidFill>
+                <a:schemeClr val="bg1"/>
+              </a:solidFill>
+            </a:endParaRPr>
+          </a:p>
+        </p:txBody>
+      </p:sp>
     </p:spTree>
     <p:extLst>
       <p:ext uri="{BB962C8B-B14F-4D97-AF65-F5344CB8AC3E}">
-        <p14:creationId xmlns:p14="http://schemas.microsoft.com/office/powerpoint/2010/main" val="3568982166"/>
+        <p14:creationId xmlns:p14="http://schemas.microsoft.com/office/powerpoint/2010/main" val="685538641"/>
       </p:ext>
     </p:extLst>
   </p:cSld>
@@ -5808,12 +4902,183 @@
           <a:chExt cx="0" cy="0"/>
         </a:xfrm>
       </p:grpSpPr>
+      <p:sp>
+        <p:nvSpPr>
+          <p:cNvPr id="2" name="TextBox 1">
+            <a:extLst>
+              <a:ext uri="{FF2B5EF4-FFF2-40B4-BE49-F238E27FC236}">
+                <a16:creationId xmlns:a16="http://schemas.microsoft.com/office/drawing/2014/main" id="{08FB8644-1185-307A-25BB-803496381927}"/>
+              </a:ext>
+            </a:extLst>
+          </p:cNvPr>
+          <p:cNvSpPr txBox="1"/>
+          <p:nvPr/>
+        </p:nvSpPr>
+        <p:spPr>
+          <a:xfrm>
+            <a:off x="284868" y="2785854"/>
+            <a:ext cx="9897856" cy="1938992"/>
+          </a:xfrm>
+          <a:prstGeom prst="rect">
+            <a:avLst/>
+          </a:prstGeom>
+          <a:noFill/>
+        </p:spPr>
+        <p:txBody>
+          <a:bodyPr wrap="square" rtlCol="0">
+            <a:spAutoFit/>
+          </a:bodyPr>
+          <a:lstStyle/>
+          <a:p>
+            <a:pPr marL="857250" indent="-857250">
+              <a:buFont typeface="Arial" panose="020B0604020202020204" pitchFamily="34" charset="0"/>
+              <a:buChar char="•"/>
+            </a:pPr>
+            <a:r>
+              <a:rPr lang="sk-SK" sz="6000" b="1" dirty="0" err="1">
+                <a:solidFill>
+                  <a:schemeClr val="bg1"/>
+                </a:solidFill>
+              </a:rPr>
+              <a:t>Jaccard</a:t>
+            </a:r>
+            <a:r>
+              <a:rPr lang="sk-SK" sz="6000" b="1" dirty="0">
+                <a:solidFill>
+                  <a:schemeClr val="bg1"/>
+                </a:solidFill>
+              </a:rPr>
+              <a:t> </a:t>
+            </a:r>
+            <a:r>
+              <a:rPr lang="sk-SK" sz="6000" b="1" dirty="0" err="1">
+                <a:solidFill>
+                  <a:schemeClr val="bg1"/>
+                </a:solidFill>
+              </a:rPr>
+              <a:t>score</a:t>
+            </a:r>
+            <a:endParaRPr lang="sk-SK" sz="6000" b="1" dirty="0">
+              <a:solidFill>
+                <a:schemeClr val="bg1"/>
+              </a:solidFill>
+            </a:endParaRPr>
+          </a:p>
+          <a:p>
+            <a:pPr marL="857250" indent="-857250">
+              <a:buFont typeface="Arial" panose="020B0604020202020204" pitchFamily="34" charset="0"/>
+              <a:buChar char="•"/>
+            </a:pPr>
+            <a:r>
+              <a:rPr lang="en-GB" sz="6000" b="1" dirty="0">
+                <a:solidFill>
+                  <a:schemeClr val="bg1"/>
+                </a:solidFill>
+              </a:rPr>
+              <a:t>Confusion matrix</a:t>
+            </a:r>
+          </a:p>
+        </p:txBody>
+      </p:sp>
+      <p:sp>
+        <p:nvSpPr>
+          <p:cNvPr id="3" name="TextBox 1">
+            <a:extLst>
+              <a:ext uri="{FF2B5EF4-FFF2-40B4-BE49-F238E27FC236}">
+                <a16:creationId xmlns:a16="http://schemas.microsoft.com/office/drawing/2014/main" id="{499FA1BF-E1EE-632E-9369-288C5EF1A38C}"/>
+              </a:ext>
+            </a:extLst>
+          </p:cNvPr>
+          <p:cNvSpPr txBox="1"/>
+          <p:nvPr/>
+        </p:nvSpPr>
+        <p:spPr>
+          <a:xfrm>
+            <a:off x="1147072" y="284324"/>
+            <a:ext cx="9897856" cy="2554545"/>
+          </a:xfrm>
+          <a:prstGeom prst="rect">
+            <a:avLst/>
+          </a:prstGeom>
+          <a:noFill/>
+        </p:spPr>
+        <p:txBody>
+          <a:bodyPr wrap="square" rtlCol="0">
+            <a:spAutoFit/>
+          </a:bodyPr>
+          <a:lstStyle/>
+          <a:p>
+            <a:pPr algn="ctr"/>
+            <a:r>
+              <a:rPr lang="sk-SK" sz="8000" b="1" dirty="0" err="1">
+                <a:solidFill>
+                  <a:schemeClr val="bg1"/>
+                </a:solidFill>
+              </a:rPr>
+              <a:t>Compare</a:t>
+            </a:r>
+            <a:r>
+              <a:rPr lang="sk-SK" sz="8000" b="1" dirty="0">
+                <a:solidFill>
+                  <a:schemeClr val="bg1"/>
+                </a:solidFill>
+              </a:rPr>
+              <a:t> </a:t>
+            </a:r>
+            <a:r>
+              <a:rPr lang="sk-SK" sz="8000" b="1" dirty="0" err="1">
+                <a:solidFill>
+                  <a:schemeClr val="bg1"/>
+                </a:solidFill>
+              </a:rPr>
+              <a:t>Anomaly</a:t>
+            </a:r>
+            <a:r>
+              <a:rPr lang="sk-SK" sz="8000" b="1" dirty="0">
+                <a:solidFill>
+                  <a:schemeClr val="bg1"/>
+                </a:solidFill>
+              </a:rPr>
+              <a:t> </a:t>
+            </a:r>
+            <a:r>
+              <a:rPr lang="sk-SK" sz="8000" b="1" dirty="0" err="1">
+                <a:solidFill>
+                  <a:schemeClr val="bg1"/>
+                </a:solidFill>
+              </a:rPr>
+              <a:t>detections</a:t>
+            </a:r>
+            <a:r>
+              <a:rPr lang="sk-SK" sz="8000" b="1" dirty="0">
+                <a:solidFill>
+                  <a:schemeClr val="bg1"/>
+                </a:solidFill>
+              </a:rPr>
+              <a:t> </a:t>
+            </a:r>
+            <a:r>
+              <a:rPr lang="sk-SK" sz="8000" b="1" dirty="0" err="1">
+                <a:solidFill>
+                  <a:schemeClr val="bg1"/>
+                </a:solidFill>
+              </a:rPr>
+              <a:t>models</a:t>
+            </a:r>
+            <a:endParaRPr lang="en-GB" sz="8000" b="1" dirty="0">
+              <a:solidFill>
+                <a:schemeClr val="bg1"/>
+              </a:solidFill>
+            </a:endParaRPr>
+          </a:p>
+        </p:txBody>
+      </p:sp>
       <p:pic>
         <p:nvPicPr>
-          <p:cNvPr id="7" name="Picture 6">
-            <a:extLst>
-              <a:ext uri="{FF2B5EF4-FFF2-40B4-BE49-F238E27FC236}">
-                <a16:creationId xmlns:a16="http://schemas.microsoft.com/office/drawing/2014/main" id="{E38BADA8-A96C-1474-2F14-9E92AB5A05BD}"/>
+          <p:cNvPr id="5" name="Obrázok 4">
+            <a:extLst>
+              <a:ext uri="{FF2B5EF4-FFF2-40B4-BE49-F238E27FC236}">
+                <a16:creationId xmlns:a16="http://schemas.microsoft.com/office/drawing/2014/main" id="{7F84919A-AE62-F01D-81FB-3FD700166C38}"/>
               </a:ext>
             </a:extLst>
           </p:cNvPr>
@@ -5830,8 +5095,8 @@
         </p:blipFill>
         <p:spPr>
           <a:xfrm>
-            <a:off x="0" y="0"/>
-            <a:ext cx="12191999" cy="6858000"/>
+            <a:off x="0" y="5902961"/>
+            <a:ext cx="12202420" cy="955040"/>
           </a:xfrm>
           <a:prstGeom prst="rect">
             <a:avLst/>
@@ -5841,7 +5106,7 @@
     </p:spTree>
     <p:extLst>
       <p:ext uri="{BB962C8B-B14F-4D97-AF65-F5344CB8AC3E}">
-        <p14:creationId xmlns:p14="http://schemas.microsoft.com/office/powerpoint/2010/main" val="3663335578"/>
+        <p14:creationId xmlns:p14="http://schemas.microsoft.com/office/powerpoint/2010/main" val="769941868"/>
       </p:ext>
     </p:extLst>
   </p:cSld>
@@ -5890,6 +5155,245 @@
         </p:nvSpPr>
         <p:spPr>
           <a:xfrm>
+            <a:off x="284868" y="2785854"/>
+            <a:ext cx="9897856" cy="1938992"/>
+          </a:xfrm>
+          <a:prstGeom prst="rect">
+            <a:avLst/>
+          </a:prstGeom>
+          <a:noFill/>
+        </p:spPr>
+        <p:txBody>
+          <a:bodyPr wrap="square" rtlCol="0">
+            <a:spAutoFit/>
+          </a:bodyPr>
+          <a:lstStyle/>
+          <a:p>
+            <a:pPr marL="857250" indent="-857250">
+              <a:buFont typeface="Arial" panose="020B0604020202020204" pitchFamily="34" charset="0"/>
+              <a:buChar char="•"/>
+            </a:pPr>
+            <a:r>
+              <a:rPr lang="sk-SK" sz="6000" b="1" dirty="0" err="1">
+                <a:solidFill>
+                  <a:schemeClr val="bg1"/>
+                </a:solidFill>
+              </a:rPr>
+              <a:t>Jaccard</a:t>
+            </a:r>
+            <a:r>
+              <a:rPr lang="sk-SK" sz="6000" b="1" dirty="0">
+                <a:solidFill>
+                  <a:schemeClr val="bg1"/>
+                </a:solidFill>
+              </a:rPr>
+              <a:t> </a:t>
+            </a:r>
+            <a:r>
+              <a:rPr lang="sk-SK" sz="6000" b="1" dirty="0" err="1">
+                <a:solidFill>
+                  <a:schemeClr val="bg1"/>
+                </a:solidFill>
+              </a:rPr>
+              <a:t>score</a:t>
+            </a:r>
+            <a:endParaRPr lang="sk-SK" sz="6000" b="1" dirty="0">
+              <a:solidFill>
+                <a:schemeClr val="bg1"/>
+              </a:solidFill>
+            </a:endParaRPr>
+          </a:p>
+          <a:p>
+            <a:pPr marL="857250" indent="-857250">
+              <a:buFont typeface="Arial" panose="020B0604020202020204" pitchFamily="34" charset="0"/>
+              <a:buChar char="•"/>
+            </a:pPr>
+            <a:r>
+              <a:rPr lang="en-GB" sz="6000" b="1" dirty="0">
+                <a:solidFill>
+                  <a:schemeClr val="bg1"/>
+                </a:solidFill>
+              </a:rPr>
+              <a:t>Confusion matrix</a:t>
+            </a:r>
+          </a:p>
+        </p:txBody>
+      </p:sp>
+      <p:sp>
+        <p:nvSpPr>
+          <p:cNvPr id="3" name="TextBox 1">
+            <a:extLst>
+              <a:ext uri="{FF2B5EF4-FFF2-40B4-BE49-F238E27FC236}">
+                <a16:creationId xmlns:a16="http://schemas.microsoft.com/office/drawing/2014/main" id="{499FA1BF-E1EE-632E-9369-288C5EF1A38C}"/>
+              </a:ext>
+            </a:extLst>
+          </p:cNvPr>
+          <p:cNvSpPr txBox="1"/>
+          <p:nvPr/>
+        </p:nvSpPr>
+        <p:spPr>
+          <a:xfrm>
+            <a:off x="1147072" y="284324"/>
+            <a:ext cx="9897856" cy="2554545"/>
+          </a:xfrm>
+          <a:prstGeom prst="rect">
+            <a:avLst/>
+          </a:prstGeom>
+          <a:noFill/>
+        </p:spPr>
+        <p:txBody>
+          <a:bodyPr wrap="square" rtlCol="0">
+            <a:spAutoFit/>
+          </a:bodyPr>
+          <a:lstStyle/>
+          <a:p>
+            <a:pPr algn="ctr"/>
+            <a:r>
+              <a:rPr lang="sk-SK" sz="8000" b="1" dirty="0" err="1">
+                <a:solidFill>
+                  <a:schemeClr val="bg1"/>
+                </a:solidFill>
+              </a:rPr>
+              <a:t>Compare</a:t>
+            </a:r>
+            <a:r>
+              <a:rPr lang="sk-SK" sz="8000" b="1" dirty="0">
+                <a:solidFill>
+                  <a:schemeClr val="bg1"/>
+                </a:solidFill>
+              </a:rPr>
+              <a:t> </a:t>
+            </a:r>
+            <a:r>
+              <a:rPr lang="sk-SK" sz="8000" b="1" dirty="0" err="1">
+                <a:solidFill>
+                  <a:schemeClr val="bg1"/>
+                </a:solidFill>
+              </a:rPr>
+              <a:t>Anomaly</a:t>
+            </a:r>
+            <a:r>
+              <a:rPr lang="sk-SK" sz="8000" b="1" dirty="0">
+                <a:solidFill>
+                  <a:schemeClr val="bg1"/>
+                </a:solidFill>
+              </a:rPr>
+              <a:t> </a:t>
+            </a:r>
+            <a:r>
+              <a:rPr lang="sk-SK" sz="8000" b="1" dirty="0" err="1">
+                <a:solidFill>
+                  <a:schemeClr val="bg1"/>
+                </a:solidFill>
+              </a:rPr>
+              <a:t>detections</a:t>
+            </a:r>
+            <a:r>
+              <a:rPr lang="sk-SK" sz="8000" b="1" dirty="0">
+                <a:solidFill>
+                  <a:schemeClr val="bg1"/>
+                </a:solidFill>
+              </a:rPr>
+              <a:t> </a:t>
+            </a:r>
+            <a:r>
+              <a:rPr lang="sk-SK" sz="8000" b="1" dirty="0" err="1">
+                <a:solidFill>
+                  <a:schemeClr val="bg1"/>
+                </a:solidFill>
+              </a:rPr>
+              <a:t>models</a:t>
+            </a:r>
+            <a:endParaRPr lang="en-GB" sz="8000" b="1" dirty="0">
+              <a:solidFill>
+                <a:schemeClr val="bg1"/>
+              </a:solidFill>
+            </a:endParaRPr>
+          </a:p>
+        </p:txBody>
+      </p:sp>
+      <p:pic>
+        <p:nvPicPr>
+          <p:cNvPr id="5" name="Obrázok 4">
+            <a:extLst>
+              <a:ext uri="{FF2B5EF4-FFF2-40B4-BE49-F238E27FC236}">
+                <a16:creationId xmlns:a16="http://schemas.microsoft.com/office/drawing/2014/main" id="{7F84919A-AE62-F01D-81FB-3FD700166C38}"/>
+              </a:ext>
+            </a:extLst>
+          </p:cNvPr>
+          <p:cNvPicPr>
+            <a:picLocks noChangeAspect="1"/>
+          </p:cNvPicPr>
+          <p:nvPr/>
+        </p:nvPicPr>
+        <p:blipFill>
+          <a:blip r:embed="rId2"/>
+          <a:stretch>
+            <a:fillRect/>
+          </a:stretch>
+        </p:blipFill>
+        <p:spPr>
+          <a:xfrm>
+            <a:off x="0" y="5902961"/>
+            <a:ext cx="12202420" cy="955040"/>
+          </a:xfrm>
+          <a:prstGeom prst="rect">
+            <a:avLst/>
+          </a:prstGeom>
+        </p:spPr>
+      </p:pic>
+    </p:spTree>
+    <p:extLst>
+      <p:ext uri="{BB962C8B-B14F-4D97-AF65-F5344CB8AC3E}">
+        <p14:creationId xmlns:p14="http://schemas.microsoft.com/office/powerpoint/2010/main" val="1099814822"/>
+      </p:ext>
+    </p:extLst>
+  </p:cSld>
+  <p:clrMapOvr>
+    <a:masterClrMapping/>
+  </p:clrMapOvr>
+</p:sld>
+</file>
+
+<file path=ppt/slides/slide9.xml><?xml version="1.0" encoding="utf-8"?>
+<p:sld xmlns:a="http://schemas.openxmlformats.org/drawingml/2006/main" xmlns:r="http://schemas.openxmlformats.org/officeDocument/2006/relationships" xmlns:p="http://schemas.openxmlformats.org/presentationml/2006/main">
+  <p:cSld>
+    <p:bg>
+      <p:bgPr>
+        <a:solidFill>
+          <a:srgbClr val="5F2137"/>
+        </a:solidFill>
+        <a:effectLst/>
+      </p:bgPr>
+    </p:bg>
+    <p:spTree>
+      <p:nvGrpSpPr>
+        <p:cNvPr id="1" name=""/>
+        <p:cNvGrpSpPr/>
+        <p:nvPr/>
+      </p:nvGrpSpPr>
+      <p:grpSpPr>
+        <a:xfrm>
+          <a:off x="0" y="0"/>
+          <a:ext cx="0" cy="0"/>
+          <a:chOff x="0" y="0"/>
+          <a:chExt cx="0" cy="0"/>
+        </a:xfrm>
+      </p:grpSpPr>
+      <p:sp>
+        <p:nvSpPr>
+          <p:cNvPr id="2" name="TextBox 1">
+            <a:extLst>
+              <a:ext uri="{FF2B5EF4-FFF2-40B4-BE49-F238E27FC236}">
+                <a16:creationId xmlns:a16="http://schemas.microsoft.com/office/drawing/2014/main" id="{08FB8644-1185-307A-25BB-803496381927}"/>
+              </a:ext>
+            </a:extLst>
+          </p:cNvPr>
+          <p:cNvSpPr txBox="1"/>
+          <p:nvPr/>
+        </p:nvSpPr>
+        <p:spPr>
+          <a:xfrm>
             <a:off x="965588" y="2966564"/>
             <a:ext cx="9897856" cy="1323439"/>
           </a:xfrm>
@@ -5906,7 +5410,11 @@
           <a:p>
             <a:pPr algn="ctr"/>
             <a:r>
-              <a:rPr lang="en-GB" sz="8000" b="1" dirty="0"/>
+              <a:rPr lang="en-GB" sz="8000" b="1" dirty="0">
+                <a:solidFill>
+                  <a:schemeClr val="bg1"/>
+                </a:solidFill>
+              </a:rPr>
               <a:t>Thank You</a:t>
             </a:r>
           </a:p>
